--- a/proposals/presentation.pptx
+++ b/proposals/presentation.pptx
@@ -3046,7 +3046,7 @@
             </a:pPr>
             <a:fld id="{00000000-1234-1234-1234-123412341234}" type="slidenum">
               <a:rPr lang="en-GB"/>
-              <a:t>‹N›</a:t>
+              <a:t>‹#›</a:t>
             </a:fld>
             <a:endParaRPr/>
           </a:p>
@@ -3279,7 +3279,7 @@
             </a:pPr>
             <a:fld id="{00000000-1234-1234-1234-123412341234}" type="slidenum">
               <a:rPr lang="it"/>
-              <a:t>‹N›</a:t>
+              <a:t>‹#›</a:t>
             </a:fld>
             <a:endParaRPr/>
           </a:p>
@@ -3646,7 +3646,7 @@
             </a:pPr>
             <a:fld id="{00000000-1234-1234-1234-123412341234}" type="slidenum">
               <a:rPr lang="it"/>
-              <a:t>‹N›</a:t>
+              <a:t>‹#›</a:t>
             </a:fld>
             <a:endParaRPr/>
           </a:p>
@@ -4142,7 +4142,7 @@
             </a:pPr>
             <a:fld id="{00000000-1234-1234-1234-123412341234}" type="slidenum">
               <a:rPr lang="it"/>
-              <a:t>‹N›</a:t>
+              <a:t>‹#›</a:t>
             </a:fld>
             <a:endParaRPr/>
           </a:p>
@@ -4380,7 +4380,7 @@
             </a:pPr>
             <a:fld id="{00000000-1234-1234-1234-123412341234}" type="slidenum">
               <a:rPr lang="it"/>
-              <a:t>‹N›</a:t>
+              <a:t>‹#›</a:t>
             </a:fld>
             <a:endParaRPr/>
           </a:p>
@@ -4747,7 +4747,7 @@
             </a:pPr>
             <a:fld id="{00000000-1234-1234-1234-123412341234}" type="slidenum">
               <a:rPr lang="it"/>
-              <a:t>‹N›</a:t>
+              <a:t>‹#›</a:t>
             </a:fld>
             <a:endParaRPr/>
           </a:p>
@@ -4985,7 +4985,7 @@
             </a:pPr>
             <a:fld id="{00000000-1234-1234-1234-123412341234}" type="slidenum">
               <a:rPr lang="it"/>
-              <a:t>‹N›</a:t>
+              <a:t>‹#›</a:t>
             </a:fld>
             <a:endParaRPr/>
           </a:p>
@@ -5548,7 +5548,7 @@
             </a:pPr>
             <a:fld id="{00000000-1234-1234-1234-123412341234}" type="slidenum">
               <a:rPr lang="it"/>
-              <a:t>‹N›</a:t>
+              <a:t>‹#›</a:t>
             </a:fld>
             <a:endParaRPr/>
           </a:p>
@@ -5701,7 +5701,7 @@
             </a:pPr>
             <a:fld id="{00000000-1234-1234-1234-123412341234}" type="slidenum">
               <a:rPr lang="it"/>
-              <a:t>‹N›</a:t>
+              <a:t>‹#›</a:t>
             </a:fld>
             <a:endParaRPr/>
           </a:p>
@@ -6070,7 +6070,7 @@
             </a:pPr>
             <a:fld id="{00000000-1234-1234-1234-123412341234}" type="slidenum">
               <a:rPr lang="it"/>
-              <a:t>‹N›</a:t>
+              <a:t>‹#›</a:t>
             </a:fld>
             <a:endParaRPr/>
           </a:p>
@@ -6179,7 +6179,7 @@
             </a:pPr>
             <a:fld id="{00000000-1234-1234-1234-123412341234}" type="slidenum">
               <a:rPr lang="it"/>
-              <a:t>‹N›</a:t>
+              <a:t>‹#›</a:t>
             </a:fld>
             <a:endParaRPr/>
           </a:p>
@@ -6524,7 +6524,7 @@
             </a:pPr>
             <a:fld id="{00000000-1234-1234-1234-123412341234}" type="slidenum">
               <a:rPr lang="en-GB"/>
-              <a:t>‹N›</a:t>
+              <a:t>‹#›</a:t>
             </a:fld>
             <a:endParaRPr/>
           </a:p>
@@ -6886,7 +6886,7 @@
             </a:pPr>
             <a:fld id="{00000000-1234-1234-1234-123412341234}" type="slidenum">
               <a:rPr lang="en-GB"/>
-              <a:t>‹N›</a:t>
+              <a:t>‹#›</a:t>
             </a:fld>
             <a:endParaRPr/>
           </a:p>
@@ -7377,7 +7377,7 @@
             </a:pPr>
             <a:fld id="{00000000-1234-1234-1234-123412341234}" type="slidenum">
               <a:rPr lang="en-GB"/>
-              <a:t>‹N›</a:t>
+              <a:t>‹#›</a:t>
             </a:fld>
             <a:endParaRPr/>
           </a:p>
@@ -7610,7 +7610,7 @@
             </a:pPr>
             <a:fld id="{00000000-1234-1234-1234-123412341234}" type="slidenum">
               <a:rPr lang="en-GB"/>
-              <a:t>‹N›</a:t>
+              <a:t>‹#›</a:t>
             </a:fld>
             <a:endParaRPr/>
           </a:p>
@@ -7972,7 +7972,7 @@
             </a:pPr>
             <a:fld id="{00000000-1234-1234-1234-123412341234}" type="slidenum">
               <a:rPr lang="en-GB"/>
-              <a:t>‹N›</a:t>
+              <a:t>‹#›</a:t>
             </a:fld>
             <a:endParaRPr/>
           </a:p>
@@ -8655,7 +8655,7 @@
             </a:pPr>
             <a:fld id="{00000000-1234-1234-1234-123412341234}" type="slidenum">
               <a:rPr lang="en-GB"/>
-              <a:t>‹N›</a:t>
+              <a:t>‹#›</a:t>
             </a:fld>
             <a:endParaRPr/>
           </a:p>
@@ -8815,7 +8815,7 @@
             </a:pPr>
             <a:fld id="{00000000-1234-1234-1234-123412341234}" type="slidenum">
               <a:rPr lang="en-GB"/>
-              <a:t>‹N›</a:t>
+              <a:t>‹#›</a:t>
             </a:fld>
             <a:endParaRPr/>
           </a:p>
@@ -9204,7 +9204,7 @@
             </a:pPr>
             <a:fld id="{00000000-1234-1234-1234-123412341234}" type="slidenum">
               <a:rPr lang="it"/>
-              <a:t>‹N›</a:t>
+              <a:t>‹#›</a:t>
             </a:fld>
             <a:endParaRPr/>
           </a:p>
@@ -9906,7 +9906,7 @@
             </a:pPr>
             <a:fld id="{00000000-1234-1234-1234-123412341234}" type="slidenum">
               <a:rPr lang="en-GB"/>
-              <a:t>‹N›</a:t>
+              <a:t>‹#›</a:t>
             </a:fld>
             <a:endParaRPr/>
           </a:p>
@@ -11175,7 +11175,7 @@
             </a:pPr>
             <a:fld id="{00000000-1234-1234-1234-123412341234}" type="slidenum">
               <a:rPr lang="it"/>
-              <a:t>‹N›</a:t>
+              <a:t>‹#›</a:t>
             </a:fld>
             <a:endParaRPr/>
           </a:p>
@@ -17650,8 +17650,8 @@
           </a:p>
         </p:txBody>
       </p:sp>
-      <mc:AlternateContent xmlns:mc="http://schemas.openxmlformats.org/markup-compatibility/2006">
-        <mc:Choice xmlns:a14="http://schemas.microsoft.com/office/drawing/2010/main" Requires="a14">
+      <mc:AlternateContent xmlns:mc="http://schemas.openxmlformats.org/markup-compatibility/2006" xmlns:a14="http://schemas.microsoft.com/office/drawing/2010/main">
+        <mc:Choice Requires="a14">
           <p:sp>
             <p:nvSpPr>
               <p:cNvPr id="3" name="Text Placeholder 2">
@@ -17764,7 +17764,7 @@
                       <m:d>
                         <m:dPr>
                           <m:ctrlPr>
-                            <a:rPr lang="it-IT" i="1">
+                            <a:rPr lang="it-IT" i="1" smtClean="0">
                               <a:latin typeface="Cambria Math" panose="02040503050406030204" pitchFamily="18" charset="0"/>
                             </a:rPr>
                           </m:ctrlPr>
@@ -17833,7 +17833,7 @@
                         </m:e>
                       </m:d>
                       <m:r>
-                        <a:rPr lang="it-IT" i="1">
+                        <a:rPr lang="it-IT" i="1" smtClean="0">
                           <a:latin typeface="Cambria Math" panose="02040503050406030204" pitchFamily="18" charset="0"/>
                         </a:rPr>
                         <m:t>→</m:t>
@@ -19277,7 +19277,7 @@
             </p:txBody>
           </p:sp>
         </mc:Choice>
-        <mc:Fallback>
+        <mc:Fallback xmlns="">
           <p:sp>
             <p:nvSpPr>
               <p:cNvPr id="3" name="Text Placeholder 2">
@@ -19436,8 +19436,8 @@
           </a:p>
         </p:txBody>
       </p:sp>
-      <mc:AlternateContent xmlns:mc="http://schemas.openxmlformats.org/markup-compatibility/2006">
-        <mc:Choice xmlns:a14="http://schemas.microsoft.com/office/drawing/2010/main" Requires="a14">
+      <mc:AlternateContent xmlns:mc="http://schemas.openxmlformats.org/markup-compatibility/2006" xmlns:a14="http://schemas.microsoft.com/office/drawing/2010/main">
+        <mc:Choice Requires="a14">
           <p:sp>
             <p:nvSpPr>
               <p:cNvPr id="3" name="Text Placeholder 2">
@@ -20473,7 +20473,7 @@
             </p:txBody>
           </p:sp>
         </mc:Choice>
-        <mc:Fallback>
+        <mc:Fallback xmlns="">
           <p:sp>
             <p:nvSpPr>
               <p:cNvPr id="3" name="Text Placeholder 2">
@@ -20577,8 +20577,8 @@
           </a:p>
         </p:txBody>
       </p:sp>
-      <mc:AlternateContent xmlns:mc="http://schemas.openxmlformats.org/markup-compatibility/2006">
-        <mc:Choice xmlns:a14="http://schemas.microsoft.com/office/drawing/2010/main" Requires="a14">
+      <mc:AlternateContent xmlns:mc="http://schemas.openxmlformats.org/markup-compatibility/2006" xmlns:a14="http://schemas.microsoft.com/office/drawing/2010/main">
+        <mc:Choice Requires="a14">
           <p:sp>
             <p:nvSpPr>
               <p:cNvPr id="3" name="Text Placeholder 2">
@@ -24200,7 +24200,7 @@
             </p:txBody>
           </p:sp>
         </mc:Choice>
-        <mc:Fallback>
+        <mc:Fallback xmlns="">
           <p:sp>
             <p:nvSpPr>
               <p:cNvPr id="3" name="Text Placeholder 2">
@@ -24453,8 +24453,8 @@
           </a:p>
         </p:txBody>
       </p:sp>
-      <mc:AlternateContent xmlns:mc="http://schemas.openxmlformats.org/markup-compatibility/2006" xmlns:a14="http://schemas.microsoft.com/office/drawing/2010/main">
-        <mc:Choice Requires="a14">
+      <mc:AlternateContent xmlns:mc="http://schemas.openxmlformats.org/markup-compatibility/2006">
+        <mc:Choice xmlns:a14="http://schemas.microsoft.com/office/drawing/2010/main" Requires="a14">
           <p:sp>
             <p:nvSpPr>
               <p:cNvPr id="3" name="Text Placeholder 2">
@@ -24485,6 +24485,236 @@
                   <a:rPr lang="en-US" sz="1400" b="1" dirty="0"/>
                   <a:t>Publisher</a:t>
                 </a:r>
+              </a:p>
+              <a:p>
+                <a:pPr marL="114300" indent="0">
+                  <a:buNone/>
+                </a:pPr>
+                <a14:m>
+                  <m:oMathPara xmlns:m="http://schemas.openxmlformats.org/officeDocument/2006/math">
+                    <m:oMathParaPr>
+                      <m:jc m:val="left"/>
+                    </m:oMathParaPr>
+                    <m:oMath xmlns:m="http://schemas.openxmlformats.org/officeDocument/2006/math">
+                      <m:r>
+                        <a:rPr lang="en-US" sz="1300" i="1" dirty="0" smtClean="0">
+                          <a:latin typeface="Cambria Math" panose="02040503050406030204" pitchFamily="18" charset="0"/>
+                        </a:rPr>
+                        <m:t>∀</m:t>
+                      </m:r>
+                      <m:r>
+                        <a:rPr lang="it-IT" sz="1300" b="0" i="1" dirty="0" err="1" smtClean="0">
+                          <a:latin typeface="Cambria Math" panose="02040503050406030204" pitchFamily="18" charset="0"/>
+                        </a:rPr>
+                        <m:t>𝑥</m:t>
+                      </m:r>
+                      <m:r>
+                        <a:rPr lang="it-IT" sz="1300" b="0" i="1" dirty="0" err="1" smtClean="0">
+                          <a:latin typeface="Cambria Math" panose="02040503050406030204" pitchFamily="18" charset="0"/>
+                        </a:rPr>
+                        <m:t>,</m:t>
+                      </m:r>
+                      <m:r>
+                        <a:rPr lang="it-IT" sz="1300" b="0" i="1" dirty="0" err="1" smtClean="0">
+                          <a:latin typeface="Cambria Math" panose="02040503050406030204" pitchFamily="18" charset="0"/>
+                        </a:rPr>
+                        <m:t>𝑦</m:t>
+                      </m:r>
+                      <m:r>
+                        <a:rPr lang="it-IT" sz="1300" b="0" i="1" dirty="0" err="1" smtClean="0">
+                          <a:latin typeface="Cambria Math" panose="02040503050406030204" pitchFamily="18" charset="0"/>
+                        </a:rPr>
+                        <m:t>,</m:t>
+                      </m:r>
+                      <m:r>
+                        <a:rPr lang="it-IT" sz="1300" b="0" i="1" dirty="0" err="1" smtClean="0">
+                          <a:latin typeface="Cambria Math" panose="02040503050406030204" pitchFamily="18" charset="0"/>
+                        </a:rPr>
+                        <m:t>𝑛</m:t>
+                      </m:r>
+                      <m:r>
+                        <a:rPr lang="it-IT" sz="1300" b="0" i="1" dirty="0" err="1" smtClean="0">
+                          <a:latin typeface="Cambria Math" panose="02040503050406030204" pitchFamily="18" charset="0"/>
+                        </a:rPr>
+                        <m:t>,</m:t>
+                      </m:r>
+                      <m:r>
+                        <a:rPr lang="it-IT" sz="1300" b="0" i="1" dirty="0" err="1" smtClean="0">
+                          <a:latin typeface="Cambria Math" panose="02040503050406030204" pitchFamily="18" charset="0"/>
+                        </a:rPr>
+                        <m:t>𝑐𝑖</m:t>
+                      </m:r>
+                      <m:r>
+                        <a:rPr lang="it-IT" sz="1300" b="0" i="1" dirty="0" err="1" smtClean="0">
+                          <a:latin typeface="Cambria Math" panose="02040503050406030204" pitchFamily="18" charset="0"/>
+                        </a:rPr>
+                        <m:t>,</m:t>
+                      </m:r>
+                      <m:r>
+                        <a:rPr lang="it-IT" sz="1300" b="0" i="1" dirty="0" err="1" smtClean="0">
+                          <a:latin typeface="Cambria Math" panose="02040503050406030204" pitchFamily="18" charset="0"/>
+                        </a:rPr>
+                        <m:t>𝑐𝑜</m:t>
+                      </m:r>
+                      <m:r>
+                        <a:rPr lang="it-IT" sz="1300" b="0" i="1" dirty="0" err="1" smtClean="0">
+                          <a:latin typeface="Cambria Math" panose="02040503050406030204" pitchFamily="18" charset="0"/>
+                        </a:rPr>
+                        <m:t>,</m:t>
+                      </m:r>
+                      <m:r>
+                        <a:rPr lang="it-IT" sz="1300" b="0" i="1" dirty="0" err="1" smtClean="0">
+                          <a:latin typeface="Cambria Math" panose="02040503050406030204" pitchFamily="18" charset="0"/>
+                        </a:rPr>
+                        <m:t>𝑤</m:t>
+                      </m:r>
+                      <m:r>
+                        <a:rPr lang="it-IT" sz="1300" b="0" i="1" dirty="0" smtClean="0">
+                          <a:latin typeface="Cambria Math" panose="02040503050406030204" pitchFamily="18" charset="0"/>
+                        </a:rPr>
+                        <m:t>.</m:t>
+                      </m:r>
+                      <m:r>
+                        <a:rPr lang="en-US" sz="1300" i="1" dirty="0" smtClean="0">
+                          <a:latin typeface="Cambria Math" panose="02040503050406030204" pitchFamily="18" charset="0"/>
+                        </a:rPr>
+                        <m:t>𝑔𝑎𝑚𝑒𝑑𝑒𝑣</m:t>
+                      </m:r>
+                      <m:r>
+                        <a:rPr lang="en-US" sz="1300" i="1" dirty="0" smtClean="0">
+                          <a:latin typeface="Cambria Math" panose="02040503050406030204" pitchFamily="18" charset="0"/>
+                        </a:rPr>
+                        <m:t>(</m:t>
+                      </m:r>
+                      <m:r>
+                        <a:rPr lang="en-US" sz="1300" i="1" dirty="0" smtClean="0">
+                          <a:latin typeface="Cambria Math" panose="02040503050406030204" pitchFamily="18" charset="0"/>
+                        </a:rPr>
+                        <m:t>𝑥</m:t>
+                      </m:r>
+                      <m:r>
+                        <a:rPr lang="en-US" sz="1300" i="1" dirty="0" smtClean="0">
+                          <a:latin typeface="Cambria Math" panose="02040503050406030204" pitchFamily="18" charset="0"/>
+                        </a:rPr>
+                        <m:t>, </m:t>
+                      </m:r>
+                      <m:r>
+                        <a:rPr lang="en-US" sz="1300" i="1" dirty="0" smtClean="0">
+                          <a:latin typeface="Cambria Math" panose="02040503050406030204" pitchFamily="18" charset="0"/>
+                        </a:rPr>
+                        <m:t>𝑦</m:t>
+                      </m:r>
+                      <m:r>
+                        <a:rPr lang="en-US" sz="1300" i="1" dirty="0" smtClean="0">
+                          <a:latin typeface="Cambria Math" panose="02040503050406030204" pitchFamily="18" charset="0"/>
+                        </a:rPr>
+                        <m:t>, </m:t>
+                      </m:r>
+                      <m:r>
+                        <a:rPr lang="en-US" sz="1300" i="1" dirty="0" smtClean="0">
+                          <a:latin typeface="Cambria Math" panose="02040503050406030204" pitchFamily="18" charset="0"/>
+                        </a:rPr>
+                        <m:t>𝑛</m:t>
+                      </m:r>
+                      <m:r>
+                        <a:rPr lang="en-US" sz="1300" i="1" dirty="0" smtClean="0">
+                          <a:latin typeface="Cambria Math" panose="02040503050406030204" pitchFamily="18" charset="0"/>
+                        </a:rPr>
+                        <m:t>, "</m:t>
+                      </m:r>
+                      <m:r>
+                        <m:rPr>
+                          <m:sty m:val="p"/>
+                        </m:rPr>
+                        <a:rPr lang="it-IT" sz="1300" b="0" i="1" dirty="0" smtClean="0">
+                          <a:latin typeface="Cambria Math" panose="02040503050406030204" pitchFamily="18" charset="0"/>
+                        </a:rPr>
+                        <m:t>publisher</m:t>
+                      </m:r>
+                      <m:r>
+                        <a:rPr lang="it-IT" sz="1300" b="0" i="1" dirty="0" smtClean="0">
+                          <a:latin typeface="Cambria Math" panose="02040503050406030204" pitchFamily="18" charset="0"/>
+                        </a:rPr>
+                        <m:t>", </m:t>
+                      </m:r>
+                      <m:r>
+                        <a:rPr lang="en-US" sz="1300" i="1" dirty="0" smtClean="0">
+                          <a:latin typeface="Cambria Math" panose="02040503050406030204" pitchFamily="18" charset="0"/>
+                        </a:rPr>
+                        <m:t>𝑐𝑖</m:t>
+                      </m:r>
+                      <m:r>
+                        <a:rPr lang="en-US" sz="1300" i="1" dirty="0" smtClean="0">
+                          <a:latin typeface="Cambria Math" panose="02040503050406030204" pitchFamily="18" charset="0"/>
+                        </a:rPr>
+                        <m:t>, </m:t>
+                      </m:r>
+                      <m:r>
+                        <a:rPr lang="en-US" sz="1300" i="1" dirty="0" smtClean="0">
+                          <a:latin typeface="Cambria Math" panose="02040503050406030204" pitchFamily="18" charset="0"/>
+                        </a:rPr>
+                        <m:t>𝑐𝑜</m:t>
+                      </m:r>
+                      <m:r>
+                        <a:rPr lang="en-US" sz="1300" i="1" dirty="0" smtClean="0">
+                          <a:latin typeface="Cambria Math" panose="02040503050406030204" pitchFamily="18" charset="0"/>
+                        </a:rPr>
+                        <m:t>, </m:t>
+                      </m:r>
+                      <m:r>
+                        <a:rPr lang="en-US" sz="1300" i="1" dirty="0" smtClean="0">
+                          <a:latin typeface="Cambria Math" panose="02040503050406030204" pitchFamily="18" charset="0"/>
+                        </a:rPr>
+                        <m:t>𝑤</m:t>
+                      </m:r>
+                      <m:r>
+                        <a:rPr lang="en-US" sz="1300" i="1" dirty="0" smtClean="0">
+                          <a:latin typeface="Cambria Math" panose="02040503050406030204" pitchFamily="18" charset="0"/>
+                        </a:rPr>
+                        <m:t>)→</m:t>
+                      </m:r>
+                      <m:r>
+                        <a:rPr lang="it-IT" sz="1300" b="0" i="1" dirty="0" smtClean="0">
+                          <a:latin typeface="Cambria Math" panose="02040503050406030204" pitchFamily="18" charset="0"/>
+                        </a:rPr>
+                        <m:t>𝑆𝑜𝑓𝑡𝑤𝑎𝑟𝑒𝐻𝑜𝑢𝑠𝑒</m:t>
+                      </m:r>
+                      <m:r>
+                        <a:rPr lang="it-IT" sz="1300" b="0" i="1" dirty="0" smtClean="0">
+                          <a:latin typeface="Cambria Math" panose="02040503050406030204" pitchFamily="18" charset="0"/>
+                        </a:rPr>
+                        <m:t>(</m:t>
+                      </m:r>
+                      <m:r>
+                        <a:rPr lang="it-IT" sz="1300" b="0" i="1" dirty="0" smtClean="0">
+                          <a:latin typeface="Cambria Math" panose="02040503050406030204" pitchFamily="18" charset="0"/>
+                        </a:rPr>
+                        <m:t>𝑛</m:t>
+                      </m:r>
+                      <m:r>
+                        <a:rPr lang="it-IT" sz="1300" b="0" i="1" dirty="0" smtClean="0">
+                          <a:latin typeface="Cambria Math" panose="02040503050406030204" pitchFamily="18" charset="0"/>
+                        </a:rPr>
+                        <m:t>,</m:t>
+                      </m:r>
+                      <m:r>
+                        <a:rPr lang="it-IT" sz="1300" b="0" i="1" dirty="0" smtClean="0">
+                          <a:latin typeface="Cambria Math" panose="02040503050406030204" pitchFamily="18" charset="0"/>
+                        </a:rPr>
+                        <m:t>𝑤</m:t>
+                      </m:r>
+                      <m:r>
+                        <a:rPr lang="it-IT" sz="1300" b="0" i="1" dirty="0" smtClean="0">
+                          <a:latin typeface="Cambria Math" panose="02040503050406030204" pitchFamily="18" charset="0"/>
+                        </a:rPr>
+                        <m:t>)</m:t>
+                      </m:r>
+                    </m:oMath>
+                  </m:oMathPara>
+                </a14:m>
+                <a:endParaRPr lang="it-IT" sz="1300" i="1" dirty="0">
+                  <a:latin typeface="Cambria Math" panose="02040503050406030204" pitchFamily="18" charset="0"/>
+                </a:endParaRPr>
               </a:p>
               <a:p>
                 <a:pPr marL="114300" indent="0">
@@ -24679,44 +24909,29 @@
                         <a:rPr lang="it-IT" sz="1300" b="0" i="1" dirty="0" smtClean="0">
                           <a:latin typeface="Cambria Math" panose="02040503050406030204" pitchFamily="18" charset="0"/>
                         </a:rPr>
-                        <m:t>𝑆𝑜𝑓𝑡𝑤𝑎𝑟𝑒𝐻𝑜𝑢𝑠𝑒</m:t>
-                      </m:r>
-                      <m:r>
-                        <a:rPr lang="it-IT" sz="1300" b="0" i="1" dirty="0" smtClean="0">
-                          <a:latin typeface="Cambria Math" panose="02040503050406030204" pitchFamily="18" charset="0"/>
-                        </a:rPr>
-                        <m:t>(</m:t>
-                      </m:r>
-                      <m:r>
-                        <a:rPr lang="it-IT" sz="1300" b="0" i="1" dirty="0" smtClean="0">
-                          <a:latin typeface="Cambria Math" panose="02040503050406030204" pitchFamily="18" charset="0"/>
-                        </a:rPr>
-                        <m:t>𝑛</m:t>
-                      </m:r>
-                      <m:r>
-                        <a:rPr lang="it-IT" sz="1300" b="0" i="1" dirty="0" smtClean="0">
-                          <a:latin typeface="Cambria Math" panose="02040503050406030204" pitchFamily="18" charset="0"/>
-                        </a:rPr>
-                        <m:t>,</m:t>
-                      </m:r>
-                      <m:r>
-                        <a:rPr lang="it-IT" sz="1300" b="0" i="1" dirty="0" smtClean="0">
-                          <a:latin typeface="Cambria Math" panose="02040503050406030204" pitchFamily="18" charset="0"/>
-                        </a:rPr>
-                        <m:t>𝑤</m:t>
-                      </m:r>
-                      <m:r>
-                        <a:rPr lang="it-IT" sz="1300" b="0" i="1" dirty="0" smtClean="0">
-                          <a:latin typeface="Cambria Math" panose="02040503050406030204" pitchFamily="18" charset="0"/>
-                        </a:rPr>
-                        <m:t>)</m:t>
-                      </m:r>
+                        <m:t>𝑃𝑢𝑏𝑙𝑖𝑠h𝑒𝑟</m:t>
+                      </m:r>
+                      <m:d>
+                        <m:dPr>
+                          <m:ctrlPr>
+                            <a:rPr lang="it-IT" sz="1300" b="0" i="1" dirty="0" smtClean="0">
+                              <a:latin typeface="Cambria Math" panose="02040503050406030204" pitchFamily="18" charset="0"/>
+                            </a:rPr>
+                          </m:ctrlPr>
+                        </m:dPr>
+                        <m:e>
+                          <m:r>
+                            <a:rPr lang="it-IT" sz="1300" b="0" i="1" dirty="0" smtClean="0">
+                              <a:latin typeface="Cambria Math" panose="02040503050406030204" pitchFamily="18" charset="0"/>
+                            </a:rPr>
+                            <m:t>𝑛</m:t>
+                          </m:r>
+                        </m:e>
+                      </m:d>
                     </m:oMath>
                   </m:oMathPara>
                 </a14:m>
-                <a:endParaRPr lang="it-IT" sz="1300" i="1" dirty="0">
-                  <a:latin typeface="Cambria Math" panose="02040503050406030204" pitchFamily="18" charset="0"/>
-                </a:endParaRPr>
+                <a:endParaRPr lang="it-IT" sz="1300" b="0" dirty="0"/>
               </a:p>
               <a:p>
                 <a:pPr marL="114300" indent="0">
@@ -24911,7 +25126,7 @@
                         <a:rPr lang="it-IT" sz="1300" b="0" i="1" dirty="0" smtClean="0">
                           <a:latin typeface="Cambria Math" panose="02040503050406030204" pitchFamily="18" charset="0"/>
                         </a:rPr>
-                        <m:t>𝑃𝑢𝑏𝑙𝑖𝑠h𝑒𝑟</m:t>
+                        <m:t>𝑙𝑜𝑐𝑎𝑡𝑒𝑑𝐼𝑛</m:t>
                       </m:r>
                       <m:d>
                         <m:dPr>
@@ -24927,6 +25142,42 @@
                               <a:latin typeface="Cambria Math" panose="02040503050406030204" pitchFamily="18" charset="0"/>
                             </a:rPr>
                             <m:t>𝑛</m:t>
+                          </m:r>
+                          <m:r>
+                            <a:rPr lang="it-IT" sz="1300" b="0" i="1" dirty="0" smtClean="0">
+                              <a:latin typeface="Cambria Math" panose="02040503050406030204" pitchFamily="18" charset="0"/>
+                            </a:rPr>
+                            <m:t>,</m:t>
+                          </m:r>
+                          <m:r>
+                            <a:rPr lang="it-IT" sz="1300" b="0" i="1" dirty="0" smtClean="0">
+                              <a:latin typeface="Cambria Math" panose="02040503050406030204" pitchFamily="18" charset="0"/>
+                            </a:rPr>
+                            <m:t>𝑐𝑖</m:t>
+                          </m:r>
+                          <m:r>
+                            <a:rPr lang="it-IT" sz="1300" b="0" i="1" dirty="0" smtClean="0">
+                              <a:latin typeface="Cambria Math" panose="02040503050406030204" pitchFamily="18" charset="0"/>
+                            </a:rPr>
+                            <m:t>,</m:t>
+                          </m:r>
+                          <m:r>
+                            <a:rPr lang="it-IT" sz="1300" b="0" i="1" dirty="0" smtClean="0">
+                              <a:latin typeface="Cambria Math" panose="02040503050406030204" pitchFamily="18" charset="0"/>
+                            </a:rPr>
+                            <m:t>𝑋</m:t>
+                          </m:r>
+                          <m:r>
+                            <a:rPr lang="it-IT" sz="1300" b="0" i="1" dirty="0" smtClean="0">
+                              <a:latin typeface="Cambria Math" panose="02040503050406030204" pitchFamily="18" charset="0"/>
+                            </a:rPr>
+                            <m:t>,</m:t>
+                          </m:r>
+                          <m:r>
+                            <a:rPr lang="it-IT" sz="1300" b="0" i="1" dirty="0" smtClean="0">
+                              <a:latin typeface="Cambria Math" panose="02040503050406030204" pitchFamily="18" charset="0"/>
+                            </a:rPr>
+                            <m:t>𝑌</m:t>
                           </m:r>
                         </m:e>
                       </m:d>
@@ -25128,7 +25379,7 @@
                         <a:rPr lang="it-IT" sz="1300" b="0" i="1" dirty="0" smtClean="0">
                           <a:latin typeface="Cambria Math" panose="02040503050406030204" pitchFamily="18" charset="0"/>
                         </a:rPr>
-                        <m:t>𝑙𝑜𝑐𝑎𝑡𝑒𝑑𝐼𝑛</m:t>
+                        <m:t>𝐶𝑖𝑡𝑦</m:t>
                       </m:r>
                       <m:d>
                         <m:dPr>
@@ -25143,43 +25394,7 @@
                             <a:rPr lang="it-IT" sz="1300" b="0" i="1" dirty="0" smtClean="0">
                               <a:latin typeface="Cambria Math" panose="02040503050406030204" pitchFamily="18" charset="0"/>
                             </a:rPr>
-                            <m:t>𝑛</m:t>
-                          </m:r>
-                          <m:r>
-                            <a:rPr lang="it-IT" sz="1300" b="0" i="1" dirty="0" smtClean="0">
-                              <a:latin typeface="Cambria Math" panose="02040503050406030204" pitchFamily="18" charset="0"/>
-                            </a:rPr>
-                            <m:t>,</m:t>
-                          </m:r>
-                          <m:r>
-                            <a:rPr lang="it-IT" sz="1300" b="0" i="1" dirty="0" smtClean="0">
-                              <a:latin typeface="Cambria Math" panose="02040503050406030204" pitchFamily="18" charset="0"/>
-                            </a:rPr>
                             <m:t>𝑐𝑖</m:t>
-                          </m:r>
-                          <m:r>
-                            <a:rPr lang="it-IT" sz="1300" b="0" i="1" dirty="0" smtClean="0">
-                              <a:latin typeface="Cambria Math" panose="02040503050406030204" pitchFamily="18" charset="0"/>
-                            </a:rPr>
-                            <m:t>,</m:t>
-                          </m:r>
-                          <m:r>
-                            <a:rPr lang="it-IT" sz="1300" b="0" i="1" dirty="0" smtClean="0">
-                              <a:latin typeface="Cambria Math" panose="02040503050406030204" pitchFamily="18" charset="0"/>
-                            </a:rPr>
-                            <m:t>𝑋</m:t>
-                          </m:r>
-                          <m:r>
-                            <a:rPr lang="it-IT" sz="1300" b="0" i="1" dirty="0" smtClean="0">
-                              <a:latin typeface="Cambria Math" panose="02040503050406030204" pitchFamily="18" charset="0"/>
-                            </a:rPr>
-                            <m:t>,</m:t>
-                          </m:r>
-                          <m:r>
-                            <a:rPr lang="it-IT" sz="1300" b="0" i="1" dirty="0" smtClean="0">
-                              <a:latin typeface="Cambria Math" panose="02040503050406030204" pitchFamily="18" charset="0"/>
-                            </a:rPr>
-                            <m:t>𝑌</m:t>
                           </m:r>
                         </m:e>
                       </m:d>
@@ -25381,7 +25596,7 @@
                         <a:rPr lang="it-IT" sz="1300" b="0" i="1" dirty="0" smtClean="0">
                           <a:latin typeface="Cambria Math" panose="02040503050406030204" pitchFamily="18" charset="0"/>
                         </a:rPr>
-                        <m:t>𝐶𝑖𝑡𝑦</m:t>
+                        <m:t>h𝑎𝑠𝐶𝑜𝑢𝑛𝑡𝑟𝑦</m:t>
                       </m:r>
                       <m:d>
                         <m:dPr>
@@ -25397,6 +25612,18 @@
                               <a:latin typeface="Cambria Math" panose="02040503050406030204" pitchFamily="18" charset="0"/>
                             </a:rPr>
                             <m:t>𝑐𝑖</m:t>
+                          </m:r>
+                          <m:r>
+                            <a:rPr lang="it-IT" sz="1300" b="0" i="1" dirty="0" smtClean="0">
+                              <a:latin typeface="Cambria Math" panose="02040503050406030204" pitchFamily="18" charset="0"/>
+                            </a:rPr>
+                            <m:t>,</m:t>
+                          </m:r>
+                          <m:r>
+                            <a:rPr lang="it-IT" sz="1300" b="0" i="1" dirty="0" smtClean="0">
+                              <a:latin typeface="Cambria Math" panose="02040503050406030204" pitchFamily="18" charset="0"/>
+                            </a:rPr>
+                            <m:t>𝑐𝑜</m:t>
                           </m:r>
                         </m:e>
                       </m:d>
@@ -25598,235 +25825,6 @@
                         <a:rPr lang="it-IT" sz="1300" b="0" i="1" dirty="0" smtClean="0">
                           <a:latin typeface="Cambria Math" panose="02040503050406030204" pitchFamily="18" charset="0"/>
                         </a:rPr>
-                        <m:t>h𝑎𝑠𝐶𝑜𝑢𝑛𝑡𝑟𝑦</m:t>
-                      </m:r>
-                      <m:d>
-                        <m:dPr>
-                          <m:ctrlPr>
-                            <a:rPr lang="it-IT" sz="1300" b="0" i="1" dirty="0" smtClean="0">
-                              <a:latin typeface="Cambria Math" panose="02040503050406030204" pitchFamily="18" charset="0"/>
-                            </a:rPr>
-                          </m:ctrlPr>
-                        </m:dPr>
-                        <m:e>
-                          <m:r>
-                            <a:rPr lang="it-IT" sz="1300" b="0" i="1" dirty="0" smtClean="0">
-                              <a:latin typeface="Cambria Math" panose="02040503050406030204" pitchFamily="18" charset="0"/>
-                            </a:rPr>
-                            <m:t>𝑐𝑖</m:t>
-                          </m:r>
-                          <m:r>
-                            <a:rPr lang="it-IT" sz="1300" b="0" i="1" dirty="0" smtClean="0">
-                              <a:latin typeface="Cambria Math" panose="02040503050406030204" pitchFamily="18" charset="0"/>
-                            </a:rPr>
-                            <m:t>,</m:t>
-                          </m:r>
-                          <m:r>
-                            <a:rPr lang="it-IT" sz="1300" b="0" i="1" dirty="0" smtClean="0">
-                              <a:latin typeface="Cambria Math" panose="02040503050406030204" pitchFamily="18" charset="0"/>
-                            </a:rPr>
-                            <m:t>𝑐𝑜</m:t>
-                          </m:r>
-                        </m:e>
-                      </m:d>
-                    </m:oMath>
-                  </m:oMathPara>
-                </a14:m>
-                <a:endParaRPr lang="it-IT" sz="1300" b="0" dirty="0"/>
-              </a:p>
-              <a:p>
-                <a:pPr marL="114300" indent="0">
-                  <a:buNone/>
-                </a:pPr>
-                <a14:m>
-                  <m:oMathPara xmlns:m="http://schemas.openxmlformats.org/officeDocument/2006/math">
-                    <m:oMathParaPr>
-                      <m:jc m:val="left"/>
-                    </m:oMathParaPr>
-                    <m:oMath xmlns:m="http://schemas.openxmlformats.org/officeDocument/2006/math">
-                      <m:r>
-                        <a:rPr lang="en-US" sz="1300" i="1" dirty="0" smtClean="0">
-                          <a:latin typeface="Cambria Math" panose="02040503050406030204" pitchFamily="18" charset="0"/>
-                        </a:rPr>
-                        <m:t>∀</m:t>
-                      </m:r>
-                      <m:r>
-                        <a:rPr lang="it-IT" sz="1300" b="0" i="1" dirty="0" smtClean="0">
-                          <a:latin typeface="Cambria Math" panose="02040503050406030204" pitchFamily="18" charset="0"/>
-                        </a:rPr>
-                        <m:t>𝑥</m:t>
-                      </m:r>
-                      <m:r>
-                        <a:rPr lang="it-IT" sz="1300" b="0" i="1" dirty="0" smtClean="0">
-                          <a:latin typeface="Cambria Math" panose="02040503050406030204" pitchFamily="18" charset="0"/>
-                        </a:rPr>
-                        <m:t>,</m:t>
-                      </m:r>
-                      <m:r>
-                        <a:rPr lang="it-IT" sz="1300" b="0" i="1" dirty="0" smtClean="0">
-                          <a:latin typeface="Cambria Math" panose="02040503050406030204" pitchFamily="18" charset="0"/>
-                        </a:rPr>
-                        <m:t>𝑦</m:t>
-                      </m:r>
-                      <m:r>
-                        <a:rPr lang="it-IT" sz="1300" b="0" i="1" dirty="0" smtClean="0">
-                          <a:latin typeface="Cambria Math" panose="02040503050406030204" pitchFamily="18" charset="0"/>
-                        </a:rPr>
-                        <m:t>,</m:t>
-                      </m:r>
-                      <m:r>
-                        <a:rPr lang="it-IT" sz="1300" b="0" i="1" dirty="0" smtClean="0">
-                          <a:latin typeface="Cambria Math" panose="02040503050406030204" pitchFamily="18" charset="0"/>
-                        </a:rPr>
-                        <m:t>𝑛</m:t>
-                      </m:r>
-                      <m:r>
-                        <a:rPr lang="it-IT" sz="1300" b="0" i="1" dirty="0" smtClean="0">
-                          <a:latin typeface="Cambria Math" panose="02040503050406030204" pitchFamily="18" charset="0"/>
-                        </a:rPr>
-                        <m:t>,</m:t>
-                      </m:r>
-                      <m:r>
-                        <a:rPr lang="it-IT" sz="1300" b="0" i="1" dirty="0" smtClean="0">
-                          <a:latin typeface="Cambria Math" panose="02040503050406030204" pitchFamily="18" charset="0"/>
-                        </a:rPr>
-                        <m:t>𝑐𝑖</m:t>
-                      </m:r>
-                      <m:r>
-                        <a:rPr lang="it-IT" sz="1300" b="0" i="1" dirty="0" smtClean="0">
-                          <a:latin typeface="Cambria Math" panose="02040503050406030204" pitchFamily="18" charset="0"/>
-                        </a:rPr>
-                        <m:t>,</m:t>
-                      </m:r>
-                      <m:r>
-                        <a:rPr lang="it-IT" sz="1300" b="0" i="1" dirty="0" smtClean="0">
-                          <a:latin typeface="Cambria Math" panose="02040503050406030204" pitchFamily="18" charset="0"/>
-                        </a:rPr>
-                        <m:t>𝑐𝑜</m:t>
-                      </m:r>
-                      <m:r>
-                        <a:rPr lang="it-IT" sz="1300" b="0" i="1" dirty="0" smtClean="0">
-                          <a:latin typeface="Cambria Math" panose="02040503050406030204" pitchFamily="18" charset="0"/>
-                        </a:rPr>
-                        <m:t>,</m:t>
-                      </m:r>
-                      <m:r>
-                        <a:rPr lang="it-IT" sz="1300" b="0" i="1" dirty="0" smtClean="0">
-                          <a:latin typeface="Cambria Math" panose="02040503050406030204" pitchFamily="18" charset="0"/>
-                        </a:rPr>
-                        <m:t>𝑤</m:t>
-                      </m:r>
-                      <m:r>
-                        <a:rPr lang="it-IT" sz="1300" b="0" i="1" dirty="0" smtClean="0">
-                          <a:latin typeface="Cambria Math" panose="02040503050406030204" pitchFamily="18" charset="0"/>
-                        </a:rPr>
-                        <m:t>.</m:t>
-                      </m:r>
-                      <m:r>
-                        <a:rPr lang="en-US" sz="1300" i="1" dirty="0" smtClean="0">
-                          <a:latin typeface="Cambria Math" panose="02040503050406030204" pitchFamily="18" charset="0"/>
-                        </a:rPr>
-                        <m:t>𝑔𝑎𝑚𝑒𝑑𝑒𝑣</m:t>
-                      </m:r>
-                      <m:d>
-                        <m:dPr>
-                          <m:ctrlPr>
-                            <a:rPr lang="en-US" sz="1300" i="1" dirty="0" smtClean="0">
-                              <a:latin typeface="Cambria Math" panose="02040503050406030204" pitchFamily="18" charset="0"/>
-                            </a:rPr>
-                          </m:ctrlPr>
-                        </m:dPr>
-                        <m:e>
-                          <m:r>
-                            <a:rPr lang="en-US" sz="1300" i="1" dirty="0" smtClean="0">
-                              <a:latin typeface="Cambria Math" panose="02040503050406030204" pitchFamily="18" charset="0"/>
-                            </a:rPr>
-                            <m:t>𝑥</m:t>
-                          </m:r>
-                          <m:r>
-                            <a:rPr lang="en-US" sz="1300" i="1" dirty="0" smtClean="0">
-                              <a:latin typeface="Cambria Math" panose="02040503050406030204" pitchFamily="18" charset="0"/>
-                            </a:rPr>
-                            <m:t>, </m:t>
-                          </m:r>
-                          <m:r>
-                            <a:rPr lang="en-US" sz="1300" i="1" dirty="0" smtClean="0">
-                              <a:latin typeface="Cambria Math" panose="02040503050406030204" pitchFamily="18" charset="0"/>
-                            </a:rPr>
-                            <m:t>𝑦</m:t>
-                          </m:r>
-                          <m:r>
-                            <a:rPr lang="en-US" sz="1300" i="1" dirty="0" smtClean="0">
-                              <a:latin typeface="Cambria Math" panose="02040503050406030204" pitchFamily="18" charset="0"/>
-                            </a:rPr>
-                            <m:t>, </m:t>
-                          </m:r>
-                          <m:r>
-                            <a:rPr lang="en-US" sz="1300" i="1" dirty="0" smtClean="0">
-                              <a:latin typeface="Cambria Math" panose="02040503050406030204" pitchFamily="18" charset="0"/>
-                            </a:rPr>
-                            <m:t>𝑛</m:t>
-                          </m:r>
-                          <m:r>
-                            <a:rPr lang="en-US" sz="1300" i="1" dirty="0" smtClean="0">
-                              <a:latin typeface="Cambria Math" panose="02040503050406030204" pitchFamily="18" charset="0"/>
-                            </a:rPr>
-                            <m:t>, "</m:t>
-                          </m:r>
-                          <m:r>
-                            <a:rPr lang="it-IT" sz="1300" b="0" i="1" dirty="0" smtClean="0">
-                              <a:latin typeface="Cambria Math" panose="02040503050406030204" pitchFamily="18" charset="0"/>
-                            </a:rPr>
-                            <m:t>𝑝𝑢𝑏𝑙𝑖𝑠h𝑒𝑟</m:t>
-                          </m:r>
-                          <m:r>
-                            <a:rPr lang="it-IT" sz="1300" b="0" i="1" dirty="0" smtClean="0">
-                              <a:latin typeface="Cambria Math" panose="02040503050406030204" pitchFamily="18" charset="0"/>
-                            </a:rPr>
-                            <m:t>", </m:t>
-                          </m:r>
-                          <m:r>
-                            <a:rPr lang="en-US" sz="1300" i="1" dirty="0" smtClean="0">
-                              <a:latin typeface="Cambria Math" panose="02040503050406030204" pitchFamily="18" charset="0"/>
-                            </a:rPr>
-                            <m:t>𝑐𝑖</m:t>
-                          </m:r>
-                          <m:r>
-                            <a:rPr lang="en-US" sz="1300" i="1" dirty="0" smtClean="0">
-                              <a:latin typeface="Cambria Math" panose="02040503050406030204" pitchFamily="18" charset="0"/>
-                            </a:rPr>
-                            <m:t>, </m:t>
-                          </m:r>
-                          <m:r>
-                            <a:rPr lang="en-US" sz="1300" i="1" dirty="0" smtClean="0">
-                              <a:latin typeface="Cambria Math" panose="02040503050406030204" pitchFamily="18" charset="0"/>
-                            </a:rPr>
-                            <m:t>𝑐𝑜</m:t>
-                          </m:r>
-                          <m:r>
-                            <a:rPr lang="en-US" sz="1300" i="1" dirty="0" smtClean="0">
-                              <a:latin typeface="Cambria Math" panose="02040503050406030204" pitchFamily="18" charset="0"/>
-                            </a:rPr>
-                            <m:t>, </m:t>
-                          </m:r>
-                          <m:r>
-                            <a:rPr lang="en-US" sz="1300" i="1" dirty="0" smtClean="0">
-                              <a:latin typeface="Cambria Math" panose="02040503050406030204" pitchFamily="18" charset="0"/>
-                            </a:rPr>
-                            <m:t>𝑤</m:t>
-                          </m:r>
-                        </m:e>
-                      </m:d>
-                      <m:r>
-                        <a:rPr lang="it-IT" sz="1300" b="0" i="1" dirty="0" smtClean="0">
-                          <a:latin typeface="Cambria Math" panose="02040503050406030204" pitchFamily="18" charset="0"/>
-                        </a:rPr>
-                        <m:t>→</m:t>
-                      </m:r>
-                      <m:r>
-                        <a:rPr lang="it-IT" sz="1300" b="0" i="1" dirty="0" smtClean="0">
-                          <a:latin typeface="Cambria Math" panose="02040503050406030204" pitchFamily="18" charset="0"/>
-                        </a:rPr>
                         <m:t>𝐶𝑜𝑢𝑛𝑡𝑟𝑦</m:t>
                       </m:r>
                       <m:r>
@@ -27241,7 +27239,7 @@
             </p:txBody>
           </p:sp>
         </mc:Choice>
-        <mc:Fallback xmlns="">
+        <mc:Fallback>
           <p:sp>
             <p:nvSpPr>
               <p:cNvPr id="3" name="Text Placeholder 2">
@@ -27569,126 +27567,115 @@
                     </m:oMathParaPr>
                     <m:oMath xmlns:m="http://schemas.openxmlformats.org/officeDocument/2006/math">
                       <m:r>
-                        <a:rPr lang="it-IT" b="0" i="1" smtClean="0">
+                        <a:rPr lang="it-IT" b="0" i="1" dirty="0" smtClean="0">
                           <a:latin typeface="Cambria Math" panose="02040503050406030204" pitchFamily="18" charset="0"/>
                         </a:rPr>
                         <m:t>∀</m:t>
                       </m:r>
                       <m:r>
-                        <a:rPr lang="it-IT" b="0" i="1" smtClean="0">
+                        <a:rPr lang="it-IT" b="0" i="1" dirty="0" err="1" smtClean="0">
                           <a:latin typeface="Cambria Math" panose="02040503050406030204" pitchFamily="18" charset="0"/>
                         </a:rPr>
                         <m:t>𝑡</m:t>
                       </m:r>
                       <m:r>
-                        <a:rPr lang="it-IT" b="0" i="1" smtClean="0">
+                        <a:rPr lang="it-IT" b="0" i="1" dirty="0" err="1" smtClean="0">
                           <a:latin typeface="Cambria Math" panose="02040503050406030204" pitchFamily="18" charset="0"/>
                         </a:rPr>
                         <m:t>,</m:t>
                       </m:r>
                       <m:r>
-                        <a:rPr lang="it-IT" b="0" i="1" smtClean="0">
+                        <a:rPr lang="it-IT" b="0" i="1" dirty="0" err="1" smtClean="0">
                           <a:latin typeface="Cambria Math" panose="02040503050406030204" pitchFamily="18" charset="0"/>
                         </a:rPr>
                         <m:t>𝑔</m:t>
                       </m:r>
                       <m:r>
-                        <a:rPr lang="it-IT" b="0" i="1" smtClean="0">
+                        <a:rPr lang="it-IT" b="0" i="1" dirty="0" err="1" smtClean="0">
                           <a:latin typeface="Cambria Math" panose="02040503050406030204" pitchFamily="18" charset="0"/>
                         </a:rPr>
                         <m:t>,</m:t>
                       </m:r>
                       <m:r>
-                        <a:rPr lang="it-IT" b="0" i="1" smtClean="0">
+                        <a:rPr lang="it-IT" b="0" i="1" dirty="0" err="1" smtClean="0">
                           <a:latin typeface="Cambria Math" panose="02040503050406030204" pitchFamily="18" charset="0"/>
                         </a:rPr>
                         <m:t>𝑝</m:t>
                       </m:r>
                       <m:r>
-                        <a:rPr lang="it-IT" b="0" i="1" smtClean="0">
+                        <a:rPr lang="it-IT" b="0" i="1" dirty="0" err="1" smtClean="0">
                           <a:latin typeface="Cambria Math" panose="02040503050406030204" pitchFamily="18" charset="0"/>
                         </a:rPr>
                         <m:t>.</m:t>
                       </m:r>
                       <m:r>
-                        <a:rPr lang="it-IT" b="0" i="1" smtClean="0">
+                        <a:rPr lang="it-IT" b="0" i="1" dirty="0" err="1" smtClean="0">
                           <a:latin typeface="Cambria Math" panose="02040503050406030204" pitchFamily="18" charset="0"/>
                         </a:rPr>
                         <m:t>𝑠𝑝𝑣𝑔</m:t>
                       </m:r>
-                      <m:d>
-                        <m:dPr>
-                          <m:ctrlPr>
-                            <a:rPr lang="it-IT" b="0" i="1" smtClean="0">
-                              <a:latin typeface="Cambria Math" panose="02040503050406030204" pitchFamily="18" charset="0"/>
-                            </a:rPr>
-                          </m:ctrlPr>
-                        </m:dPr>
-                        <m:e>
-                          <m:r>
-                            <a:rPr lang="it-IT" i="1">
-                              <a:latin typeface="Cambria Math" panose="02040503050406030204" pitchFamily="18" charset="0"/>
-                            </a:rPr>
-                            <m:t>𝑡</m:t>
-                          </m:r>
-                          <m:r>
-                            <a:rPr lang="it-IT" i="1">
-                              <a:latin typeface="Cambria Math" panose="02040503050406030204" pitchFamily="18" charset="0"/>
-                            </a:rPr>
-                            <m:t>,</m:t>
-                          </m:r>
-                          <m:r>
-                            <a:rPr lang="it-IT" b="0" i="1" smtClean="0">
-                              <a:latin typeface="Cambria Math" panose="02040503050406030204" pitchFamily="18" charset="0"/>
-                            </a:rPr>
-                            <m:t>𝑔</m:t>
-                          </m:r>
-                          <m:r>
-                            <a:rPr lang="it-IT" b="0" i="1" smtClean="0">
-                              <a:latin typeface="Cambria Math" panose="02040503050406030204" pitchFamily="18" charset="0"/>
-                            </a:rPr>
-                            <m:t>,…,</m:t>
-                          </m:r>
-                          <m:r>
-                            <a:rPr lang="it-IT" b="0" i="1" smtClean="0">
-                              <a:latin typeface="Cambria Math" panose="02040503050406030204" pitchFamily="18" charset="0"/>
-                            </a:rPr>
-                            <m:t>𝑝</m:t>
-                          </m:r>
-                          <m:r>
-                            <a:rPr lang="it-IT" b="0" i="1" smtClean="0">
-                              <a:latin typeface="Cambria Math" panose="02040503050406030204" pitchFamily="18" charset="0"/>
-                            </a:rPr>
-                            <m:t>,…</m:t>
-                          </m:r>
-                        </m:e>
-                      </m:d>
-                      <m:r>
-                        <a:rPr lang="it-IT" b="0" i="1" smtClean="0">
-                          <a:latin typeface="Cambria Math" panose="02040503050406030204" pitchFamily="18" charset="0"/>
-                        </a:rPr>
-                        <m:t>→</m:t>
-                      </m:r>
-                      <m:r>
-                        <a:rPr lang="it-IT" b="0" i="1" smtClean="0">
+                      <m:r>
+                        <a:rPr lang="it-IT" b="0" i="1" dirty="0" smtClean="0">
+                          <a:latin typeface="Cambria Math" panose="02040503050406030204" pitchFamily="18" charset="0"/>
+                        </a:rPr>
+                        <m:t>(</m:t>
+                      </m:r>
+                      <m:r>
+                        <a:rPr lang="it-IT" i="1" dirty="0" err="1">
+                          <a:latin typeface="Cambria Math" panose="02040503050406030204" pitchFamily="18" charset="0"/>
+                        </a:rPr>
+                        <m:t>𝑡</m:t>
+                      </m:r>
+                      <m:r>
+                        <a:rPr lang="it-IT" i="1" dirty="0" err="1">
+                          <a:latin typeface="Cambria Math" panose="02040503050406030204" pitchFamily="18" charset="0"/>
+                        </a:rPr>
+                        <m:t>,</m:t>
+                      </m:r>
+                      <m:r>
+                        <a:rPr lang="it-IT" b="0" i="1" dirty="0" err="1" smtClean="0">
+                          <a:latin typeface="Cambria Math" panose="02040503050406030204" pitchFamily="18" charset="0"/>
+                        </a:rPr>
+                        <m:t>𝑔</m:t>
+                      </m:r>
+                      <m:r>
+                        <a:rPr lang="it-IT" b="0" i="1" dirty="0" smtClean="0">
+                          <a:latin typeface="Cambria Math" panose="02040503050406030204" pitchFamily="18" charset="0"/>
+                        </a:rPr>
+                        <m:t>,…,</m:t>
+                      </m:r>
+                      <m:r>
+                        <a:rPr lang="it-IT" b="0" i="1" dirty="0" smtClean="0">
+                          <a:latin typeface="Cambria Math" panose="02040503050406030204" pitchFamily="18" charset="0"/>
+                        </a:rPr>
+                        <m:t>𝑝</m:t>
+                      </m:r>
+                      <m:r>
+                        <a:rPr lang="it-IT" b="0" i="1" dirty="0" smtClean="0">
+                          <a:latin typeface="Cambria Math" panose="02040503050406030204" pitchFamily="18" charset="0"/>
+                        </a:rPr>
+                        <m:t>,…)→</m:t>
+                      </m:r>
+                      <m:r>
+                        <a:rPr lang="it-IT" b="0" i="1" dirty="0" err="1" smtClean="0">
                           <a:latin typeface="Cambria Math" panose="02040503050406030204" pitchFamily="18" charset="0"/>
                         </a:rPr>
                         <m:t>𝑆𝑜𝑓𝑡𝑤𝑎𝑟𝑒𝐻𝑜𝑢𝑠𝑒</m:t>
                       </m:r>
                       <m:r>
-                        <a:rPr lang="it-IT" b="0" i="1" smtClean="0">
+                        <a:rPr lang="it-IT" b="0" i="1" dirty="0" smtClean="0">
                           <a:latin typeface="Cambria Math" panose="02040503050406030204" pitchFamily="18" charset="0"/>
                         </a:rPr>
                         <m:t>(</m:t>
                       </m:r>
                       <m:r>
-                        <a:rPr lang="it-IT" b="0" i="1" smtClean="0">
+                        <a:rPr lang="it-IT" b="0" i="1" dirty="0" smtClean="0">
                           <a:latin typeface="Cambria Math" panose="02040503050406030204" pitchFamily="18" charset="0"/>
                         </a:rPr>
                         <m:t>𝑝</m:t>
                       </m:r>
                       <m:r>
-                        <a:rPr lang="it-IT" b="0" i="1" smtClean="0">
+                        <a:rPr lang="it-IT" b="0" i="1" dirty="0" smtClean="0">
                           <a:latin typeface="Cambria Math" panose="02040503050406030204" pitchFamily="18" charset="0"/>
                         </a:rPr>
                         <m:t>)</m:t>
@@ -28183,7 +28170,7 @@
               <a:lstStyle/>
               <a:p>
                 <a:r>
-                  <a:rPr lang="it-IT">
+                  <a:rPr lang="en-US">
                     <a:noFill/>
                   </a:rPr>
                   <a:t> </a:t>
@@ -28459,8 +28446,8 @@
           </a:p>
         </p:txBody>
       </p:sp>
-      <mc:AlternateContent xmlns:mc="http://schemas.openxmlformats.org/markup-compatibility/2006">
-        <mc:Choice xmlns:a14="http://schemas.microsoft.com/office/drawing/2010/main" Requires="a14">
+      <mc:AlternateContent xmlns:mc="http://schemas.openxmlformats.org/markup-compatibility/2006" xmlns:a14="http://schemas.microsoft.com/office/drawing/2010/main">
+        <mc:Choice Requires="a14">
           <p:sp>
             <p:nvSpPr>
               <p:cNvPr id="3" name="Text Placeholder 2">
@@ -29696,7 +29683,7 @@
             </p:txBody>
           </p:sp>
         </mc:Choice>
-        <mc:Fallback>
+        <mc:Fallback xmlns="">
           <p:sp>
             <p:nvSpPr>
               <p:cNvPr id="3" name="Text Placeholder 2">
@@ -30706,7 +30693,7 @@
                     </m:oMathParaPr>
                     <m:oMath xmlns:m="http://schemas.openxmlformats.org/officeDocument/2006/math">
                       <m:r>
-                        <a:rPr lang="it-IT" i="1" smtClean="0">
+                        <a:rPr lang="it-IT" i="1" dirty="0" smtClean="0">
                           <a:solidFill>
                             <a:schemeClr val="accent3"/>
                           </a:solidFill>
@@ -30715,7 +30702,7 @@
                         <m:t>∀ </m:t>
                       </m:r>
                       <m:r>
-                        <a:rPr lang="it-IT" i="1" smtClean="0">
+                        <a:rPr lang="it-IT" i="1" dirty="0" smtClean="0">
                           <a:solidFill>
                             <a:schemeClr val="accent3"/>
                           </a:solidFill>
@@ -30724,7 +30711,7 @@
                         <m:t>𝑔</m:t>
                       </m:r>
                       <m:r>
-                        <a:rPr lang="en-US" i="1">
+                        <a:rPr lang="en-US" i="1" dirty="0" smtClean="0">
                           <a:solidFill>
                             <a:schemeClr val="accent3"/>
                           </a:solidFill>
@@ -30733,7 +30720,7 @@
                         <m:t>, </m:t>
                       </m:r>
                       <m:r>
-                        <a:rPr lang="it-IT" i="1">
+                        <a:rPr lang="it-IT" i="1" dirty="0" smtClean="0">
                           <a:solidFill>
                             <a:schemeClr val="accent3"/>
                           </a:solidFill>
@@ -30742,7 +30729,7 @@
                         <m:t>𝑟</m:t>
                       </m:r>
                       <m:r>
-                        <a:rPr lang="en-US" i="1">
+                        <a:rPr lang="en-US" i="1" dirty="0" smtClean="0">
                           <a:solidFill>
                             <a:schemeClr val="accent3"/>
                           </a:solidFill>
@@ -30751,7 +30738,7 @@
                         <m:t>,</m:t>
                       </m:r>
                       <m:r>
-                        <a:rPr lang="it-IT" i="1">
+                        <a:rPr lang="it-IT" i="1" dirty="0" smtClean="0">
                           <a:solidFill>
                             <a:schemeClr val="accent3"/>
                           </a:solidFill>
@@ -30760,7 +30747,7 @@
                         <m:t>𝑡𝑒</m:t>
                       </m:r>
                       <m:r>
-                        <a:rPr lang="en-US" i="1">
+                        <a:rPr lang="en-US" i="1" dirty="0" smtClean="0">
                           <a:solidFill>
                             <a:schemeClr val="accent3"/>
                           </a:solidFill>
@@ -30769,7 +30756,7 @@
                         <m:t>,</m:t>
                       </m:r>
                       <m:r>
-                        <a:rPr lang="it-IT" i="1">
+                        <a:rPr lang="it-IT" i="1" dirty="0" err="1" smtClean="0">
                           <a:solidFill>
                             <a:schemeClr val="accent3"/>
                           </a:solidFill>
@@ -30778,7 +30765,7 @@
                         <m:t>𝑔𝑒</m:t>
                       </m:r>
                       <m:r>
-                        <a:rPr lang="en-US" i="1">
+                        <a:rPr lang="en-US" i="1" dirty="0" smtClean="0">
                           <a:solidFill>
                             <a:schemeClr val="accent3"/>
                           </a:solidFill>
@@ -30787,7 +30774,7 @@
                         <m:t>,</m:t>
                       </m:r>
                       <m:r>
-                        <a:rPr lang="it-IT" i="1">
+                        <a:rPr lang="it-IT" i="1" dirty="0" err="1" smtClean="0">
                           <a:solidFill>
                             <a:schemeClr val="accent3"/>
                           </a:solidFill>
@@ -30796,7 +30783,7 @@
                         <m:t>𝑜𝑒</m:t>
                       </m:r>
                       <m:r>
-                        <a:rPr lang="en-US" i="1">
+                        <a:rPr lang="en-US" i="1" dirty="0" smtClean="0">
                           <a:solidFill>
                             <a:schemeClr val="accent3"/>
                           </a:solidFill>
@@ -30805,7 +30792,7 @@
                         <m:t>,</m:t>
                       </m:r>
                       <m:r>
-                        <a:rPr lang="it-IT" i="1">
+                        <a:rPr lang="it-IT" i="1" dirty="0" smtClean="0">
                           <a:solidFill>
                             <a:schemeClr val="accent3"/>
                           </a:solidFill>
@@ -30814,7 +30801,7 @@
                         <m:t>𝑝𝑝</m:t>
                       </m:r>
                       <m:r>
-                        <a:rPr lang="en-US" i="1">
+                        <a:rPr lang="en-US" i="1" dirty="0" smtClean="0">
                           <a:solidFill>
                             <a:schemeClr val="accent3"/>
                           </a:solidFill>
@@ -30823,7 +30810,7 @@
                         <m:t>,</m:t>
                       </m:r>
                       <m:r>
-                        <a:rPr lang="it-IT" i="1">
+                        <a:rPr lang="it-IT" i="1" dirty="0" err="1" smtClean="0">
                           <a:solidFill>
                             <a:schemeClr val="accent3"/>
                           </a:solidFill>
@@ -30832,7 +30819,7 @@
                         <m:t>𝑡𝑡</m:t>
                       </m:r>
                       <m:r>
-                        <a:rPr lang="it-IT" b="0" i="1" smtClean="0">
+                        <a:rPr lang="it-IT" b="0" i="1" dirty="0" smtClean="0">
                           <a:solidFill>
                             <a:schemeClr val="accent3"/>
                           </a:solidFill>
@@ -30841,7 +30828,7 @@
                         <m:t>.</m:t>
                       </m:r>
                       <m:r>
-                        <a:rPr lang="en-US" i="1" smtClean="0">
+                        <a:rPr lang="en-US" i="1" dirty="0" err="1" smtClean="0">
                           <a:solidFill>
                             <a:schemeClr val="accent3"/>
                           </a:solidFill>
@@ -30850,7 +30837,7 @@
                         <m:t>𝑔𝑒𝑛𝑒𝑟𝑎𝑙𝐸𝐷</m:t>
                       </m:r>
                       <m:r>
-                        <a:rPr lang="en-US" i="1" smtClean="0">
+                        <a:rPr lang="en-US" i="1" dirty="0" smtClean="0">
                           <a:solidFill>
                             <a:schemeClr val="accent3"/>
                           </a:solidFill>
@@ -30859,7 +30846,7 @@
                         <m:t>(</m:t>
                       </m:r>
                       <m:r>
-                        <a:rPr lang="it-IT" b="0" i="1" smtClean="0">
+                        <a:rPr lang="it-IT" b="0" i="1" dirty="0" smtClean="0">
                           <a:solidFill>
                             <a:schemeClr val="accent3"/>
                           </a:solidFill>
@@ -30868,7 +30855,7 @@
                         <m:t>𝑔</m:t>
                       </m:r>
                       <m:r>
-                        <a:rPr lang="en-US" i="1">
+                        <a:rPr lang="en-US" i="1" dirty="0" smtClean="0">
                           <a:solidFill>
                             <a:schemeClr val="accent3"/>
                           </a:solidFill>
@@ -30877,7 +30864,7 @@
                         <m:t>, </m:t>
                       </m:r>
                       <m:r>
-                        <a:rPr lang="it-IT" b="0" i="1" smtClean="0">
+                        <a:rPr lang="it-IT" b="0" i="1" dirty="0" smtClean="0">
                           <a:solidFill>
                             <a:schemeClr val="accent3"/>
                           </a:solidFill>
@@ -30886,7 +30873,7 @@
                         <m:t>𝑟</m:t>
                       </m:r>
                       <m:r>
-                        <a:rPr lang="en-US" i="1">
+                        <a:rPr lang="en-US" i="1" dirty="0" smtClean="0">
                           <a:solidFill>
                             <a:schemeClr val="accent3"/>
                           </a:solidFill>
@@ -30895,7 +30882,7 @@
                         <m:t>,</m:t>
                       </m:r>
                       <m:r>
-                        <a:rPr lang="it-IT" b="0" i="1" smtClean="0">
+                        <a:rPr lang="it-IT" b="0" i="1" dirty="0" smtClean="0">
                           <a:solidFill>
                             <a:schemeClr val="accent3"/>
                           </a:solidFill>
@@ -30904,7 +30891,7 @@
                         <m:t>𝑡𝑒</m:t>
                       </m:r>
                       <m:r>
-                        <a:rPr lang="en-US" i="1">
+                        <a:rPr lang="en-US" i="1" dirty="0" smtClean="0">
                           <a:solidFill>
                             <a:schemeClr val="accent3"/>
                           </a:solidFill>
@@ -30913,7 +30900,7 @@
                         <m:t>,</m:t>
                       </m:r>
                       <m:r>
-                        <a:rPr lang="it-IT" b="0" i="1" smtClean="0">
+                        <a:rPr lang="it-IT" b="0" i="1" dirty="0" err="1" smtClean="0">
                           <a:solidFill>
                             <a:schemeClr val="accent3"/>
                           </a:solidFill>
@@ -30922,7 +30909,7 @@
                         <m:t>𝑔𝑒</m:t>
                       </m:r>
                       <m:r>
-                        <a:rPr lang="en-US" i="1">
+                        <a:rPr lang="en-US" i="1" dirty="0" smtClean="0">
                           <a:solidFill>
                             <a:schemeClr val="accent3"/>
                           </a:solidFill>
@@ -30931,7 +30918,7 @@
                         <m:t>,</m:t>
                       </m:r>
                       <m:r>
-                        <a:rPr lang="it-IT" b="0" i="1" smtClean="0">
+                        <a:rPr lang="it-IT" b="0" i="1" dirty="0" err="1" smtClean="0">
                           <a:solidFill>
                             <a:schemeClr val="accent3"/>
                           </a:solidFill>
@@ -30940,7 +30927,7 @@
                         <m:t>𝑜𝑒</m:t>
                       </m:r>
                       <m:r>
-                        <a:rPr lang="en-US" i="1">
+                        <a:rPr lang="en-US" i="1" dirty="0" smtClean="0">
                           <a:solidFill>
                             <a:schemeClr val="accent3"/>
                           </a:solidFill>
@@ -30949,7 +30936,7 @@
                         <m:t>,</m:t>
                       </m:r>
                       <m:r>
-                        <a:rPr lang="it-IT" b="0" i="1" smtClean="0">
+                        <a:rPr lang="it-IT" b="0" i="1" dirty="0" smtClean="0">
                           <a:solidFill>
                             <a:schemeClr val="accent3"/>
                           </a:solidFill>
@@ -30958,7 +30945,7 @@
                         <m:t>𝑝𝑝</m:t>
                       </m:r>
                       <m:r>
-                        <a:rPr lang="en-US" i="1">
+                        <a:rPr lang="en-US" i="1" dirty="0" smtClean="0">
                           <a:solidFill>
                             <a:schemeClr val="accent3"/>
                           </a:solidFill>
@@ -30967,7 +30954,7 @@
                         <m:t>,</m:t>
                       </m:r>
                       <m:r>
-                        <a:rPr lang="it-IT" b="0" i="1" smtClean="0">
+                        <a:rPr lang="it-IT" b="0" i="1" dirty="0" err="1" smtClean="0">
                           <a:solidFill>
                             <a:schemeClr val="accent3"/>
                           </a:solidFill>
@@ -30976,7 +30963,7 @@
                         <m:t>𝑡𝑡</m:t>
                       </m:r>
                       <m:r>
-                        <a:rPr lang="en-US" i="1">
+                        <a:rPr lang="en-US" i="1" dirty="0" smtClean="0">
                           <a:solidFill>
                             <a:schemeClr val="accent3"/>
                           </a:solidFill>
@@ -30985,7 +30972,7 @@
                         <m:t>)</m:t>
                       </m:r>
                       <m:r>
-                        <a:rPr lang="it-IT" b="0" i="1" smtClean="0">
+                        <a:rPr lang="it-IT" b="0" i="1" dirty="0" smtClean="0">
                           <a:solidFill>
                             <a:schemeClr val="accent3"/>
                           </a:solidFill>
@@ -30994,7 +30981,7 @@
                         <m:t>→</m:t>
                       </m:r>
                       <m:r>
-                        <a:rPr lang="it-IT" b="0" i="1" smtClean="0">
+                        <a:rPr lang="it-IT" b="0" i="1" dirty="0" smtClean="0">
                           <a:solidFill>
                             <a:schemeClr val="accent3"/>
                           </a:solidFill>
@@ -31003,7 +30990,7 @@
                         <m:t>𝑉𝑖𝑑𝑒𝑜𝑔𝑎𝑚𝑒</m:t>
                       </m:r>
                       <m:r>
-                        <a:rPr lang="it-IT" b="0" i="1" smtClean="0">
+                        <a:rPr lang="it-IT" b="0" i="1" dirty="0" smtClean="0">
                           <a:solidFill>
                             <a:schemeClr val="accent3"/>
                           </a:solidFill>
@@ -31012,7 +30999,7 @@
                         <m:t>(</m:t>
                       </m:r>
                       <m:r>
-                        <a:rPr lang="it-IT" b="0" i="1" smtClean="0">
+                        <a:rPr lang="it-IT" b="0" i="1" dirty="0" err="1" smtClean="0">
                           <a:solidFill>
                             <a:schemeClr val="accent3"/>
                           </a:solidFill>
@@ -31021,7 +31008,7 @@
                         <m:t>𝑔</m:t>
                       </m:r>
                       <m:r>
-                        <a:rPr lang="it-IT" b="0" i="1" smtClean="0">
+                        <a:rPr lang="it-IT" b="0" i="1" dirty="0" err="1" smtClean="0">
                           <a:solidFill>
                             <a:schemeClr val="accent3"/>
                           </a:solidFill>
@@ -31030,7 +31017,7 @@
                         <m:t>,</m:t>
                       </m:r>
                       <m:r>
-                        <a:rPr lang="it-IT" b="0" i="1" smtClean="0">
+                        <a:rPr lang="it-IT" b="0" i="1" dirty="0" err="1" smtClean="0">
                           <a:solidFill>
                             <a:schemeClr val="accent3"/>
                           </a:solidFill>
@@ -31039,7 +31026,7 @@
                         <m:t>𝑔𝑒</m:t>
                       </m:r>
                       <m:r>
-                        <a:rPr lang="it-IT" b="0" i="1" smtClean="0">
+                        <a:rPr lang="it-IT" b="0" i="1" dirty="0" smtClean="0">
                           <a:solidFill>
                             <a:schemeClr val="accent3"/>
                           </a:solidFill>
@@ -31457,13 +31444,7 @@
                         <a:rPr lang="it-IT" b="0" i="1" smtClean="0">
                           <a:latin typeface="Cambria Math" panose="02040503050406030204" pitchFamily="18" charset="0"/>
                         </a:rPr>
-                        <m:t>)</m:t>
-                      </m:r>
-                      <m:r>
-                        <a:rPr lang="it-IT" b="0" i="1" smtClean="0">
-                          <a:latin typeface="Cambria Math" panose="02040503050406030204" pitchFamily="18" charset="0"/>
-                        </a:rPr>
-                        <m:t>→</m:t>
+                        <m:t>)→</m:t>
                       </m:r>
                       <m:r>
                         <a:rPr lang="it-IT" b="0" i="1" smtClean="0">
@@ -31569,7 +31550,7 @@
               <a:lstStyle/>
               <a:p>
                 <a:r>
-                  <a:rPr lang="it-IT">
+                  <a:rPr lang="en-US">
                     <a:noFill/>
                   </a:rPr>
                   <a:t> </a:t>
@@ -31594,7 +31575,7 @@
         <p:spPr>
           <a:xfrm>
             <a:off x="3155542" y="389959"/>
-            <a:ext cx="5828840" cy="369332"/>
+            <a:ext cx="5759910" cy="369332"/>
           </a:xfrm>
           <a:prstGeom prst="rect">
             <a:avLst/>
@@ -31649,7 +31630,7 @@
                 <a:latin typeface="Proxima Nova"/>
                 <a:sym typeface="Proxima Nova"/>
               </a:rPr>
-              <a:t>release,TotEarn,genre,OnEarn,PricedP,totTour</a:t>
+              <a:t>release,genre,TotEarn,OnEarn,PricedP,totTour</a:t>
             </a:r>
             <a:r>
               <a:rPr lang="en-GB" dirty="0">

--- a/proposals/presentation.pptx
+++ b/proposals/presentation.pptx
@@ -3046,7 +3046,7 @@
             </a:pPr>
             <a:fld id="{00000000-1234-1234-1234-123412341234}" type="slidenum">
               <a:rPr lang="en-GB"/>
-              <a:t>‹#›</a:t>
+              <a:t>‹N›</a:t>
             </a:fld>
             <a:endParaRPr/>
           </a:p>
@@ -3279,7 +3279,7 @@
             </a:pPr>
             <a:fld id="{00000000-1234-1234-1234-123412341234}" type="slidenum">
               <a:rPr lang="it"/>
-              <a:t>‹#›</a:t>
+              <a:t>‹N›</a:t>
             </a:fld>
             <a:endParaRPr/>
           </a:p>
@@ -3646,7 +3646,7 @@
             </a:pPr>
             <a:fld id="{00000000-1234-1234-1234-123412341234}" type="slidenum">
               <a:rPr lang="it"/>
-              <a:t>‹#›</a:t>
+              <a:t>‹N›</a:t>
             </a:fld>
             <a:endParaRPr/>
           </a:p>
@@ -4142,7 +4142,7 @@
             </a:pPr>
             <a:fld id="{00000000-1234-1234-1234-123412341234}" type="slidenum">
               <a:rPr lang="it"/>
-              <a:t>‹#›</a:t>
+              <a:t>‹N›</a:t>
             </a:fld>
             <a:endParaRPr/>
           </a:p>
@@ -4380,7 +4380,7 @@
             </a:pPr>
             <a:fld id="{00000000-1234-1234-1234-123412341234}" type="slidenum">
               <a:rPr lang="it"/>
-              <a:t>‹#›</a:t>
+              <a:t>‹N›</a:t>
             </a:fld>
             <a:endParaRPr/>
           </a:p>
@@ -4747,7 +4747,7 @@
             </a:pPr>
             <a:fld id="{00000000-1234-1234-1234-123412341234}" type="slidenum">
               <a:rPr lang="it"/>
-              <a:t>‹#›</a:t>
+              <a:t>‹N›</a:t>
             </a:fld>
             <a:endParaRPr/>
           </a:p>
@@ -4985,7 +4985,7 @@
             </a:pPr>
             <a:fld id="{00000000-1234-1234-1234-123412341234}" type="slidenum">
               <a:rPr lang="it"/>
-              <a:t>‹#›</a:t>
+              <a:t>‹N›</a:t>
             </a:fld>
             <a:endParaRPr/>
           </a:p>
@@ -5548,7 +5548,7 @@
             </a:pPr>
             <a:fld id="{00000000-1234-1234-1234-123412341234}" type="slidenum">
               <a:rPr lang="it"/>
-              <a:t>‹#›</a:t>
+              <a:t>‹N›</a:t>
             </a:fld>
             <a:endParaRPr/>
           </a:p>
@@ -5701,7 +5701,7 @@
             </a:pPr>
             <a:fld id="{00000000-1234-1234-1234-123412341234}" type="slidenum">
               <a:rPr lang="it"/>
-              <a:t>‹#›</a:t>
+              <a:t>‹N›</a:t>
             </a:fld>
             <a:endParaRPr/>
           </a:p>
@@ -6070,7 +6070,7 @@
             </a:pPr>
             <a:fld id="{00000000-1234-1234-1234-123412341234}" type="slidenum">
               <a:rPr lang="it"/>
-              <a:t>‹#›</a:t>
+              <a:t>‹N›</a:t>
             </a:fld>
             <a:endParaRPr/>
           </a:p>
@@ -6179,7 +6179,7 @@
             </a:pPr>
             <a:fld id="{00000000-1234-1234-1234-123412341234}" type="slidenum">
               <a:rPr lang="it"/>
-              <a:t>‹#›</a:t>
+              <a:t>‹N›</a:t>
             </a:fld>
             <a:endParaRPr/>
           </a:p>
@@ -6524,7 +6524,7 @@
             </a:pPr>
             <a:fld id="{00000000-1234-1234-1234-123412341234}" type="slidenum">
               <a:rPr lang="en-GB"/>
-              <a:t>‹#›</a:t>
+              <a:t>‹N›</a:t>
             </a:fld>
             <a:endParaRPr/>
           </a:p>
@@ -6886,7 +6886,7 @@
             </a:pPr>
             <a:fld id="{00000000-1234-1234-1234-123412341234}" type="slidenum">
               <a:rPr lang="en-GB"/>
-              <a:t>‹#›</a:t>
+              <a:t>‹N›</a:t>
             </a:fld>
             <a:endParaRPr/>
           </a:p>
@@ -7377,7 +7377,7 @@
             </a:pPr>
             <a:fld id="{00000000-1234-1234-1234-123412341234}" type="slidenum">
               <a:rPr lang="en-GB"/>
-              <a:t>‹#›</a:t>
+              <a:t>‹N›</a:t>
             </a:fld>
             <a:endParaRPr/>
           </a:p>
@@ -7610,7 +7610,7 @@
             </a:pPr>
             <a:fld id="{00000000-1234-1234-1234-123412341234}" type="slidenum">
               <a:rPr lang="en-GB"/>
-              <a:t>‹#›</a:t>
+              <a:t>‹N›</a:t>
             </a:fld>
             <a:endParaRPr/>
           </a:p>
@@ -7972,7 +7972,7 @@
             </a:pPr>
             <a:fld id="{00000000-1234-1234-1234-123412341234}" type="slidenum">
               <a:rPr lang="en-GB"/>
-              <a:t>‹#›</a:t>
+              <a:t>‹N›</a:t>
             </a:fld>
             <a:endParaRPr/>
           </a:p>
@@ -8655,7 +8655,7 @@
             </a:pPr>
             <a:fld id="{00000000-1234-1234-1234-123412341234}" type="slidenum">
               <a:rPr lang="en-GB"/>
-              <a:t>‹#›</a:t>
+              <a:t>‹N›</a:t>
             </a:fld>
             <a:endParaRPr/>
           </a:p>
@@ -8815,7 +8815,7 @@
             </a:pPr>
             <a:fld id="{00000000-1234-1234-1234-123412341234}" type="slidenum">
               <a:rPr lang="en-GB"/>
-              <a:t>‹#›</a:t>
+              <a:t>‹N›</a:t>
             </a:fld>
             <a:endParaRPr/>
           </a:p>
@@ -9204,7 +9204,7 @@
             </a:pPr>
             <a:fld id="{00000000-1234-1234-1234-123412341234}" type="slidenum">
               <a:rPr lang="it"/>
-              <a:t>‹#›</a:t>
+              <a:t>‹N›</a:t>
             </a:fld>
             <a:endParaRPr/>
           </a:p>
@@ -9906,7 +9906,7 @@
             </a:pPr>
             <a:fld id="{00000000-1234-1234-1234-123412341234}" type="slidenum">
               <a:rPr lang="en-GB"/>
-              <a:t>‹#›</a:t>
+              <a:t>‹N›</a:t>
             </a:fld>
             <a:endParaRPr/>
           </a:p>
@@ -11175,7 +11175,7 @@
             </a:pPr>
             <a:fld id="{00000000-1234-1234-1234-123412341234}" type="slidenum">
               <a:rPr lang="it"/>
-              <a:t>‹#›</a:t>
+              <a:t>‹N›</a:t>
             </a:fld>
             <a:endParaRPr/>
           </a:p>
@@ -24453,8 +24453,8 @@
           </a:p>
         </p:txBody>
       </p:sp>
-      <mc:AlternateContent xmlns:mc="http://schemas.openxmlformats.org/markup-compatibility/2006">
-        <mc:Choice xmlns:a14="http://schemas.microsoft.com/office/drawing/2010/main" Requires="a14">
+      <mc:AlternateContent xmlns:mc="http://schemas.openxmlformats.org/markup-compatibility/2006" xmlns:a14="http://schemas.microsoft.com/office/drawing/2010/main">
+        <mc:Choice Requires="a14">
           <p:sp>
             <p:nvSpPr>
               <p:cNvPr id="3" name="Text Placeholder 2">
@@ -27239,7 +27239,7 @@
             </p:txBody>
           </p:sp>
         </mc:Choice>
-        <mc:Fallback>
+        <mc:Fallback xmlns="">
           <p:sp>
             <p:nvSpPr>
               <p:cNvPr id="3" name="Text Placeholder 2">
@@ -27534,8 +27534,8 @@
           </a:p>
         </p:txBody>
       </p:sp>
-      <mc:AlternateContent xmlns:mc="http://schemas.openxmlformats.org/markup-compatibility/2006">
-        <mc:Choice xmlns:a14="http://schemas.microsoft.com/office/drawing/2010/main" Requires="a14">
+      <mc:AlternateContent xmlns:mc="http://schemas.openxmlformats.org/markup-compatibility/2006" xmlns:a14="http://schemas.microsoft.com/office/drawing/2010/main">
+        <mc:Choice Requires="a14">
           <p:sp>
             <p:nvSpPr>
               <p:cNvPr id="3" name="Text Placeholder 2">
@@ -28140,7 +28140,7 @@
             </p:txBody>
           </p:sp>
         </mc:Choice>
-        <mc:Fallback>
+        <mc:Fallback xmlns="">
           <p:sp>
             <p:nvSpPr>
               <p:cNvPr id="3" name="Text Placeholder 2">
@@ -30695,7 +30695,7 @@
                       <m:r>
                         <a:rPr lang="it-IT" i="1" dirty="0" smtClean="0">
                           <a:solidFill>
-                            <a:schemeClr val="accent3"/>
+                            <a:schemeClr val="bg2"/>
                           </a:solidFill>
                           <a:latin typeface="Cambria Math" panose="02040503050406030204" pitchFamily="18" charset="0"/>
                         </a:rPr>
@@ -30704,7 +30704,7 @@
                       <m:r>
                         <a:rPr lang="it-IT" i="1" dirty="0" smtClean="0">
                           <a:solidFill>
-                            <a:schemeClr val="accent3"/>
+                            <a:schemeClr val="bg2"/>
                           </a:solidFill>
                           <a:latin typeface="Cambria Math" panose="02040503050406030204" pitchFamily="18" charset="0"/>
                         </a:rPr>
@@ -30713,7 +30713,7 @@
                       <m:r>
                         <a:rPr lang="en-US" i="1" dirty="0" smtClean="0">
                           <a:solidFill>
-                            <a:schemeClr val="accent3"/>
+                            <a:schemeClr val="bg2"/>
                           </a:solidFill>
                           <a:latin typeface="Cambria Math" panose="02040503050406030204" pitchFamily="18" charset="0"/>
                         </a:rPr>
@@ -30722,7 +30722,7 @@
                       <m:r>
                         <a:rPr lang="it-IT" i="1" dirty="0" smtClean="0">
                           <a:solidFill>
-                            <a:schemeClr val="accent3"/>
+                            <a:schemeClr val="bg2"/>
                           </a:solidFill>
                           <a:latin typeface="Cambria Math" panose="02040503050406030204" pitchFamily="18" charset="0"/>
                         </a:rPr>
@@ -30731,7 +30731,7 @@
                       <m:r>
                         <a:rPr lang="en-US" i="1" dirty="0" smtClean="0">
                           <a:solidFill>
-                            <a:schemeClr val="accent3"/>
+                            <a:schemeClr val="bg2"/>
                           </a:solidFill>
                           <a:latin typeface="Cambria Math" panose="02040503050406030204" pitchFamily="18" charset="0"/>
                         </a:rPr>
@@ -30740,7 +30740,7 @@
                       <m:r>
                         <a:rPr lang="it-IT" i="1" dirty="0" smtClean="0">
                           <a:solidFill>
-                            <a:schemeClr val="accent3"/>
+                            <a:schemeClr val="bg2"/>
                           </a:solidFill>
                           <a:latin typeface="Cambria Math" panose="02040503050406030204" pitchFamily="18" charset="0"/>
                         </a:rPr>
@@ -30749,7 +30749,7 @@
                       <m:r>
                         <a:rPr lang="en-US" i="1" dirty="0" smtClean="0">
                           <a:solidFill>
-                            <a:schemeClr val="accent3"/>
+                            <a:schemeClr val="bg2"/>
                           </a:solidFill>
                           <a:latin typeface="Cambria Math" panose="02040503050406030204" pitchFamily="18" charset="0"/>
                         </a:rPr>
@@ -30758,7 +30758,7 @@
                       <m:r>
                         <a:rPr lang="it-IT" i="1" dirty="0" err="1" smtClean="0">
                           <a:solidFill>
-                            <a:schemeClr val="accent3"/>
+                            <a:schemeClr val="bg2"/>
                           </a:solidFill>
                           <a:latin typeface="Cambria Math" panose="02040503050406030204" pitchFamily="18" charset="0"/>
                         </a:rPr>
@@ -30767,7 +30767,7 @@
                       <m:r>
                         <a:rPr lang="en-US" i="1" dirty="0" smtClean="0">
                           <a:solidFill>
-                            <a:schemeClr val="accent3"/>
+                            <a:schemeClr val="bg2"/>
                           </a:solidFill>
                           <a:latin typeface="Cambria Math" panose="02040503050406030204" pitchFamily="18" charset="0"/>
                         </a:rPr>
@@ -30776,7 +30776,7 @@
                       <m:r>
                         <a:rPr lang="it-IT" i="1" dirty="0" err="1" smtClean="0">
                           <a:solidFill>
-                            <a:schemeClr val="accent3"/>
+                            <a:schemeClr val="bg2"/>
                           </a:solidFill>
                           <a:latin typeface="Cambria Math" panose="02040503050406030204" pitchFamily="18" charset="0"/>
                         </a:rPr>
@@ -30785,7 +30785,7 @@
                       <m:r>
                         <a:rPr lang="en-US" i="1" dirty="0" smtClean="0">
                           <a:solidFill>
-                            <a:schemeClr val="accent3"/>
+                            <a:schemeClr val="bg2"/>
                           </a:solidFill>
                           <a:latin typeface="Cambria Math" panose="02040503050406030204" pitchFamily="18" charset="0"/>
                         </a:rPr>
@@ -30794,7 +30794,7 @@
                       <m:r>
                         <a:rPr lang="it-IT" i="1" dirty="0" smtClean="0">
                           <a:solidFill>
-                            <a:schemeClr val="accent3"/>
+                            <a:schemeClr val="bg2"/>
                           </a:solidFill>
                           <a:latin typeface="Cambria Math" panose="02040503050406030204" pitchFamily="18" charset="0"/>
                         </a:rPr>
@@ -30803,7 +30803,7 @@
                       <m:r>
                         <a:rPr lang="en-US" i="1" dirty="0" smtClean="0">
                           <a:solidFill>
-                            <a:schemeClr val="accent3"/>
+                            <a:schemeClr val="bg2"/>
                           </a:solidFill>
                           <a:latin typeface="Cambria Math" panose="02040503050406030204" pitchFamily="18" charset="0"/>
                         </a:rPr>
@@ -30812,7 +30812,7 @@
                       <m:r>
                         <a:rPr lang="it-IT" i="1" dirty="0" err="1" smtClean="0">
                           <a:solidFill>
-                            <a:schemeClr val="accent3"/>
+                            <a:schemeClr val="bg2"/>
                           </a:solidFill>
                           <a:latin typeface="Cambria Math" panose="02040503050406030204" pitchFamily="18" charset="0"/>
                         </a:rPr>
@@ -30821,7 +30821,7 @@
                       <m:r>
                         <a:rPr lang="it-IT" b="0" i="1" dirty="0" smtClean="0">
                           <a:solidFill>
-                            <a:schemeClr val="accent3"/>
+                            <a:schemeClr val="bg2"/>
                           </a:solidFill>
                           <a:latin typeface="Cambria Math" panose="02040503050406030204" pitchFamily="18" charset="0"/>
                         </a:rPr>
@@ -30830,7 +30830,7 @@
                       <m:r>
                         <a:rPr lang="en-US" i="1" dirty="0" err="1" smtClean="0">
                           <a:solidFill>
-                            <a:schemeClr val="accent3"/>
+                            <a:schemeClr val="bg2"/>
                           </a:solidFill>
                           <a:latin typeface="Cambria Math" panose="02040503050406030204" pitchFamily="18" charset="0"/>
                         </a:rPr>
@@ -30839,7 +30839,7 @@
                       <m:r>
                         <a:rPr lang="en-US" i="1" dirty="0" smtClean="0">
                           <a:solidFill>
-                            <a:schemeClr val="accent3"/>
+                            <a:schemeClr val="bg2"/>
                           </a:solidFill>
                           <a:latin typeface="Cambria Math" panose="02040503050406030204" pitchFamily="18" charset="0"/>
                         </a:rPr>
@@ -30848,7 +30848,7 @@
                       <m:r>
                         <a:rPr lang="it-IT" b="0" i="1" dirty="0" smtClean="0">
                           <a:solidFill>
-                            <a:schemeClr val="accent3"/>
+                            <a:schemeClr val="bg2"/>
                           </a:solidFill>
                           <a:latin typeface="Cambria Math" panose="02040503050406030204" pitchFamily="18" charset="0"/>
                         </a:rPr>
@@ -30857,7 +30857,7 @@
                       <m:r>
                         <a:rPr lang="en-US" i="1" dirty="0" smtClean="0">
                           <a:solidFill>
-                            <a:schemeClr val="accent3"/>
+                            <a:schemeClr val="bg2"/>
                           </a:solidFill>
                           <a:latin typeface="Cambria Math" panose="02040503050406030204" pitchFamily="18" charset="0"/>
                         </a:rPr>
@@ -30866,7 +30866,7 @@
                       <m:r>
                         <a:rPr lang="it-IT" b="0" i="1" dirty="0" smtClean="0">
                           <a:solidFill>
-                            <a:schemeClr val="accent3"/>
+                            <a:schemeClr val="bg2"/>
                           </a:solidFill>
                           <a:latin typeface="Cambria Math" panose="02040503050406030204" pitchFamily="18" charset="0"/>
                         </a:rPr>
@@ -30875,7 +30875,7 @@
                       <m:r>
                         <a:rPr lang="en-US" i="1" dirty="0" smtClean="0">
                           <a:solidFill>
-                            <a:schemeClr val="accent3"/>
+                            <a:schemeClr val="bg2"/>
                           </a:solidFill>
                           <a:latin typeface="Cambria Math" panose="02040503050406030204" pitchFamily="18" charset="0"/>
                         </a:rPr>
@@ -30884,7 +30884,7 @@
                       <m:r>
                         <a:rPr lang="it-IT" b="0" i="1" dirty="0" smtClean="0">
                           <a:solidFill>
-                            <a:schemeClr val="accent3"/>
+                            <a:schemeClr val="bg2"/>
                           </a:solidFill>
                           <a:latin typeface="Cambria Math" panose="02040503050406030204" pitchFamily="18" charset="0"/>
                         </a:rPr>
@@ -30893,7 +30893,7 @@
                       <m:r>
                         <a:rPr lang="en-US" i="1" dirty="0" smtClean="0">
                           <a:solidFill>
-                            <a:schemeClr val="accent3"/>
+                            <a:schemeClr val="bg2"/>
                           </a:solidFill>
                           <a:latin typeface="Cambria Math" panose="02040503050406030204" pitchFamily="18" charset="0"/>
                         </a:rPr>
@@ -30902,7 +30902,7 @@
                       <m:r>
                         <a:rPr lang="it-IT" b="0" i="1" dirty="0" err="1" smtClean="0">
                           <a:solidFill>
-                            <a:schemeClr val="accent3"/>
+                            <a:schemeClr val="bg2"/>
                           </a:solidFill>
                           <a:latin typeface="Cambria Math" panose="02040503050406030204" pitchFamily="18" charset="0"/>
                         </a:rPr>
@@ -30911,7 +30911,7 @@
                       <m:r>
                         <a:rPr lang="en-US" i="1" dirty="0" smtClean="0">
                           <a:solidFill>
-                            <a:schemeClr val="accent3"/>
+                            <a:schemeClr val="bg2"/>
                           </a:solidFill>
                           <a:latin typeface="Cambria Math" panose="02040503050406030204" pitchFamily="18" charset="0"/>
                         </a:rPr>
@@ -30920,7 +30920,7 @@
                       <m:r>
                         <a:rPr lang="it-IT" b="0" i="1" dirty="0" err="1" smtClean="0">
                           <a:solidFill>
-                            <a:schemeClr val="accent3"/>
+                            <a:schemeClr val="bg2"/>
                           </a:solidFill>
                           <a:latin typeface="Cambria Math" panose="02040503050406030204" pitchFamily="18" charset="0"/>
                         </a:rPr>
@@ -30929,7 +30929,7 @@
                       <m:r>
                         <a:rPr lang="en-US" i="1" dirty="0" smtClean="0">
                           <a:solidFill>
-                            <a:schemeClr val="accent3"/>
+                            <a:schemeClr val="bg2"/>
                           </a:solidFill>
                           <a:latin typeface="Cambria Math" panose="02040503050406030204" pitchFamily="18" charset="0"/>
                         </a:rPr>
@@ -30938,7 +30938,7 @@
                       <m:r>
                         <a:rPr lang="it-IT" b="0" i="1" dirty="0" smtClean="0">
                           <a:solidFill>
-                            <a:schemeClr val="accent3"/>
+                            <a:schemeClr val="bg2"/>
                           </a:solidFill>
                           <a:latin typeface="Cambria Math" panose="02040503050406030204" pitchFamily="18" charset="0"/>
                         </a:rPr>
@@ -30947,7 +30947,7 @@
                       <m:r>
                         <a:rPr lang="en-US" i="1" dirty="0" smtClean="0">
                           <a:solidFill>
-                            <a:schemeClr val="accent3"/>
+                            <a:schemeClr val="bg2"/>
                           </a:solidFill>
                           <a:latin typeface="Cambria Math" panose="02040503050406030204" pitchFamily="18" charset="0"/>
                         </a:rPr>
@@ -30956,7 +30956,7 @@
                       <m:r>
                         <a:rPr lang="it-IT" b="0" i="1" dirty="0" err="1" smtClean="0">
                           <a:solidFill>
-                            <a:schemeClr val="accent3"/>
+                            <a:schemeClr val="bg2"/>
                           </a:solidFill>
                           <a:latin typeface="Cambria Math" panose="02040503050406030204" pitchFamily="18" charset="0"/>
                         </a:rPr>
@@ -30965,7 +30965,7 @@
                       <m:r>
                         <a:rPr lang="en-US" i="1" dirty="0" smtClean="0">
                           <a:solidFill>
-                            <a:schemeClr val="accent3"/>
+                            <a:schemeClr val="bg2"/>
                           </a:solidFill>
                           <a:latin typeface="Cambria Math" panose="02040503050406030204" pitchFamily="18" charset="0"/>
                         </a:rPr>
@@ -30974,7 +30974,7 @@
                       <m:r>
                         <a:rPr lang="it-IT" b="0" i="1" dirty="0" smtClean="0">
                           <a:solidFill>
-                            <a:schemeClr val="accent3"/>
+                            <a:schemeClr val="bg2"/>
                           </a:solidFill>
                           <a:latin typeface="Cambria Math" panose="02040503050406030204" pitchFamily="18" charset="0"/>
                         </a:rPr>
@@ -30983,7 +30983,7 @@
                       <m:r>
                         <a:rPr lang="it-IT" b="0" i="1" dirty="0" smtClean="0">
                           <a:solidFill>
-                            <a:schemeClr val="accent3"/>
+                            <a:schemeClr val="bg2"/>
                           </a:solidFill>
                           <a:latin typeface="Cambria Math" panose="02040503050406030204" pitchFamily="18" charset="0"/>
                         </a:rPr>
@@ -30992,7 +30992,7 @@
                       <m:r>
                         <a:rPr lang="it-IT" b="0" i="1" dirty="0" smtClean="0">
                           <a:solidFill>
-                            <a:schemeClr val="accent3"/>
+                            <a:schemeClr val="bg2"/>
                           </a:solidFill>
                           <a:latin typeface="Cambria Math" panose="02040503050406030204" pitchFamily="18" charset="0"/>
                         </a:rPr>
@@ -31001,7 +31001,7 @@
                       <m:r>
                         <a:rPr lang="it-IT" b="0" i="1" dirty="0" err="1" smtClean="0">
                           <a:solidFill>
-                            <a:schemeClr val="accent3"/>
+                            <a:schemeClr val="bg2"/>
                           </a:solidFill>
                           <a:latin typeface="Cambria Math" panose="02040503050406030204" pitchFamily="18" charset="0"/>
                         </a:rPr>
@@ -31010,7 +31010,7 @@
                       <m:r>
                         <a:rPr lang="it-IT" b="0" i="1" dirty="0" err="1" smtClean="0">
                           <a:solidFill>
-                            <a:schemeClr val="accent3"/>
+                            <a:schemeClr val="bg2"/>
                           </a:solidFill>
                           <a:latin typeface="Cambria Math" panose="02040503050406030204" pitchFamily="18" charset="0"/>
                         </a:rPr>
@@ -31019,7 +31019,7 @@
                       <m:r>
                         <a:rPr lang="it-IT" b="0" i="1" dirty="0" err="1" smtClean="0">
                           <a:solidFill>
-                            <a:schemeClr val="accent3"/>
+                            <a:schemeClr val="bg2"/>
                           </a:solidFill>
                           <a:latin typeface="Cambria Math" panose="02040503050406030204" pitchFamily="18" charset="0"/>
                         </a:rPr>
@@ -31028,8 +31028,268 @@
                       <m:r>
                         <a:rPr lang="it-IT" b="0" i="1" dirty="0" smtClean="0">
                           <a:solidFill>
-                            <a:schemeClr val="accent3"/>
+                            <a:schemeClr val="bg2"/>
                           </a:solidFill>
+                          <a:latin typeface="Cambria Math" panose="02040503050406030204" pitchFamily="18" charset="0"/>
+                        </a:rPr>
+                        <m:t>)</m:t>
+                      </m:r>
+                    </m:oMath>
+                  </m:oMathPara>
+                </a14:m>
+                <a:endParaRPr lang="it-IT" b="0" i="1" dirty="0">
+                  <a:solidFill>
+                    <a:schemeClr val="bg2"/>
+                  </a:solidFill>
+                  <a:latin typeface="Cambria Math" panose="02040503050406030204" pitchFamily="18" charset="0"/>
+                </a:endParaRPr>
+              </a:p>
+              <a:p>
+                <a:pPr marL="114300" indent="0">
+                  <a:buNone/>
+                </a:pPr>
+                <a14:m>
+                  <m:oMathPara xmlns:m="http://schemas.openxmlformats.org/officeDocument/2006/math">
+                    <m:oMathParaPr>
+                      <m:jc m:val="left"/>
+                    </m:oMathParaPr>
+                    <m:oMath xmlns:m="http://schemas.openxmlformats.org/officeDocument/2006/math">
+                      <m:r>
+                        <a:rPr lang="it-IT" i="1" smtClean="0">
+                          <a:latin typeface="Cambria Math" panose="02040503050406030204" pitchFamily="18" charset="0"/>
+                        </a:rPr>
+                        <m:t>∀ </m:t>
+                      </m:r>
+                      <m:r>
+                        <a:rPr lang="it-IT" i="1" smtClean="0">
+                          <a:latin typeface="Cambria Math" panose="02040503050406030204" pitchFamily="18" charset="0"/>
+                        </a:rPr>
+                        <m:t>𝑔</m:t>
+                      </m:r>
+                      <m:r>
+                        <a:rPr lang="en-US" i="1">
+                          <a:latin typeface="Cambria Math" panose="02040503050406030204" pitchFamily="18" charset="0"/>
+                        </a:rPr>
+                        <m:t>, </m:t>
+                      </m:r>
+                      <m:r>
+                        <a:rPr lang="it-IT" i="1">
+                          <a:latin typeface="Cambria Math" panose="02040503050406030204" pitchFamily="18" charset="0"/>
+                        </a:rPr>
+                        <m:t>𝑟</m:t>
+                      </m:r>
+                      <m:r>
+                        <a:rPr lang="en-US" i="1">
+                          <a:latin typeface="Cambria Math" panose="02040503050406030204" pitchFamily="18" charset="0"/>
+                        </a:rPr>
+                        <m:t>,</m:t>
+                      </m:r>
+                      <m:r>
+                        <a:rPr lang="it-IT" i="1">
+                          <a:latin typeface="Cambria Math" panose="02040503050406030204" pitchFamily="18" charset="0"/>
+                        </a:rPr>
+                        <m:t>𝑡𝑒</m:t>
+                      </m:r>
+                      <m:r>
+                        <a:rPr lang="en-US" i="1">
+                          <a:latin typeface="Cambria Math" panose="02040503050406030204" pitchFamily="18" charset="0"/>
+                        </a:rPr>
+                        <m:t>,</m:t>
+                      </m:r>
+                      <m:r>
+                        <a:rPr lang="it-IT" i="1">
+                          <a:latin typeface="Cambria Math" panose="02040503050406030204" pitchFamily="18" charset="0"/>
+                        </a:rPr>
+                        <m:t>𝑔𝑒</m:t>
+                      </m:r>
+                      <m:r>
+                        <a:rPr lang="en-US" i="1">
+                          <a:latin typeface="Cambria Math" panose="02040503050406030204" pitchFamily="18" charset="0"/>
+                        </a:rPr>
+                        <m:t>,</m:t>
+                      </m:r>
+                      <m:r>
+                        <a:rPr lang="it-IT" i="1">
+                          <a:latin typeface="Cambria Math" panose="02040503050406030204" pitchFamily="18" charset="0"/>
+                        </a:rPr>
+                        <m:t>𝑜𝑒</m:t>
+                      </m:r>
+                      <m:r>
+                        <a:rPr lang="en-US" i="1">
+                          <a:latin typeface="Cambria Math" panose="02040503050406030204" pitchFamily="18" charset="0"/>
+                        </a:rPr>
+                        <m:t>,</m:t>
+                      </m:r>
+                      <m:r>
+                        <a:rPr lang="it-IT" i="1">
+                          <a:latin typeface="Cambria Math" panose="02040503050406030204" pitchFamily="18" charset="0"/>
+                        </a:rPr>
+                        <m:t>𝑝𝑝</m:t>
+                      </m:r>
+                      <m:r>
+                        <a:rPr lang="en-US" i="1">
+                          <a:latin typeface="Cambria Math" panose="02040503050406030204" pitchFamily="18" charset="0"/>
+                        </a:rPr>
+                        <m:t>,</m:t>
+                      </m:r>
+                      <m:r>
+                        <a:rPr lang="it-IT" i="1">
+                          <a:latin typeface="Cambria Math" panose="02040503050406030204" pitchFamily="18" charset="0"/>
+                        </a:rPr>
+                        <m:t>𝑡𝑡</m:t>
+                      </m:r>
+                      <m:r>
+                        <a:rPr lang="it-IT" b="0" i="1" smtClean="0">
+                          <a:latin typeface="Cambria Math" panose="02040503050406030204" pitchFamily="18" charset="0"/>
+                        </a:rPr>
+                        <m:t>.</m:t>
+                      </m:r>
+                      <m:r>
+                        <a:rPr lang="en-US" i="1" smtClean="0">
+                          <a:latin typeface="Cambria Math" panose="02040503050406030204" pitchFamily="18" charset="0"/>
+                        </a:rPr>
+                        <m:t>𝑔𝑒𝑛𝑒𝑟𝑎𝑙𝐸𝐷</m:t>
+                      </m:r>
+                      <m:r>
+                        <a:rPr lang="en-US" i="1" smtClean="0">
+                          <a:latin typeface="Cambria Math" panose="02040503050406030204" pitchFamily="18" charset="0"/>
+                        </a:rPr>
+                        <m:t>(</m:t>
+                      </m:r>
+                      <m:r>
+                        <a:rPr lang="it-IT" b="0" i="1" smtClean="0">
+                          <a:latin typeface="Cambria Math" panose="02040503050406030204" pitchFamily="18" charset="0"/>
+                        </a:rPr>
+                        <m:t>𝑔</m:t>
+                      </m:r>
+                      <m:r>
+                        <a:rPr lang="en-US" i="1">
+                          <a:latin typeface="Cambria Math" panose="02040503050406030204" pitchFamily="18" charset="0"/>
+                        </a:rPr>
+                        <m:t>, </m:t>
+                      </m:r>
+                      <m:r>
+                        <a:rPr lang="it-IT" b="0" i="1" smtClean="0">
+                          <a:latin typeface="Cambria Math" panose="02040503050406030204" pitchFamily="18" charset="0"/>
+                        </a:rPr>
+                        <m:t>𝑟</m:t>
+                      </m:r>
+                      <m:r>
+                        <a:rPr lang="en-US" i="1">
+                          <a:latin typeface="Cambria Math" panose="02040503050406030204" pitchFamily="18" charset="0"/>
+                        </a:rPr>
+                        <m:t>,</m:t>
+                      </m:r>
+                      <m:r>
+                        <a:rPr lang="it-IT" b="0" i="1" smtClean="0">
+                          <a:latin typeface="Cambria Math" panose="02040503050406030204" pitchFamily="18" charset="0"/>
+                        </a:rPr>
+                        <m:t>𝑡𝑒</m:t>
+                      </m:r>
+                      <m:r>
+                        <a:rPr lang="en-US" i="1">
+                          <a:latin typeface="Cambria Math" panose="02040503050406030204" pitchFamily="18" charset="0"/>
+                        </a:rPr>
+                        <m:t>,</m:t>
+                      </m:r>
+                      <m:r>
+                        <a:rPr lang="it-IT" b="0" i="1" smtClean="0">
+                          <a:latin typeface="Cambria Math" panose="02040503050406030204" pitchFamily="18" charset="0"/>
+                        </a:rPr>
+                        <m:t>𝑔𝑒</m:t>
+                      </m:r>
+                      <m:r>
+                        <a:rPr lang="en-US" i="1">
+                          <a:latin typeface="Cambria Math" panose="02040503050406030204" pitchFamily="18" charset="0"/>
+                        </a:rPr>
+                        <m:t>,</m:t>
+                      </m:r>
+                      <m:r>
+                        <a:rPr lang="it-IT" b="0" i="1" smtClean="0">
+                          <a:latin typeface="Cambria Math" panose="02040503050406030204" pitchFamily="18" charset="0"/>
+                        </a:rPr>
+                        <m:t>𝑜𝑒</m:t>
+                      </m:r>
+                      <m:r>
+                        <a:rPr lang="en-US" i="1">
+                          <a:latin typeface="Cambria Math" panose="02040503050406030204" pitchFamily="18" charset="0"/>
+                        </a:rPr>
+                        <m:t>,</m:t>
+                      </m:r>
+                      <m:r>
+                        <a:rPr lang="it-IT" b="0" i="1" smtClean="0">
+                          <a:latin typeface="Cambria Math" panose="02040503050406030204" pitchFamily="18" charset="0"/>
+                        </a:rPr>
+                        <m:t>𝑝𝑝</m:t>
+                      </m:r>
+                      <m:r>
+                        <a:rPr lang="en-US" i="1">
+                          <a:latin typeface="Cambria Math" panose="02040503050406030204" pitchFamily="18" charset="0"/>
+                        </a:rPr>
+                        <m:t>,</m:t>
+                      </m:r>
+                      <m:r>
+                        <a:rPr lang="it-IT" b="0" i="1" smtClean="0">
+                          <a:latin typeface="Cambria Math" panose="02040503050406030204" pitchFamily="18" charset="0"/>
+                        </a:rPr>
+                        <m:t>𝑡𝑡</m:t>
+                      </m:r>
+                      <m:r>
+                        <a:rPr lang="en-US" i="1">
+                          <a:latin typeface="Cambria Math" panose="02040503050406030204" pitchFamily="18" charset="0"/>
+                        </a:rPr>
+                        <m:t>)</m:t>
+                      </m:r>
+                      <m:r>
+                        <a:rPr lang="it-IT" b="0" i="1" smtClean="0">
+                          <a:latin typeface="Cambria Math" panose="02040503050406030204" pitchFamily="18" charset="0"/>
+                        </a:rPr>
+                        <m:t>→</m:t>
+                      </m:r>
+                      <m:r>
+                        <a:rPr lang="it-IT" b="0" i="1" smtClean="0">
+                          <a:latin typeface="Cambria Math" panose="02040503050406030204" pitchFamily="18" charset="0"/>
+                        </a:rPr>
+                        <m:t>𝐸𝑠𝑝𝑜𝑟𝑡</m:t>
+                      </m:r>
+                      <m:r>
+                        <a:rPr lang="it-IT" b="0" i="1" smtClean="0">
+                          <a:latin typeface="Cambria Math" panose="02040503050406030204" pitchFamily="18" charset="0"/>
+                        </a:rPr>
+                        <m:t>(</m:t>
+                      </m:r>
+                      <m:r>
+                        <a:rPr lang="it-IT" b="0" i="1" smtClean="0">
+                          <a:latin typeface="Cambria Math" panose="02040503050406030204" pitchFamily="18" charset="0"/>
+                        </a:rPr>
+                        <m:t>𝑔</m:t>
+                      </m:r>
+                      <m:r>
+                        <a:rPr lang="it-IT" b="0" i="1" smtClean="0">
+                          <a:latin typeface="Cambria Math" panose="02040503050406030204" pitchFamily="18" charset="0"/>
+                        </a:rPr>
+                        <m:t>,</m:t>
+                      </m:r>
+                      <m:r>
+                        <a:rPr lang="it-IT" b="0" i="1" smtClean="0">
+                          <a:latin typeface="Cambria Math" panose="02040503050406030204" pitchFamily="18" charset="0"/>
+                        </a:rPr>
+                        <m:t>𝑡𝑒</m:t>
+                      </m:r>
+                      <m:r>
+                        <a:rPr lang="it-IT" b="0" i="1" smtClean="0">
+                          <a:latin typeface="Cambria Math" panose="02040503050406030204" pitchFamily="18" charset="0"/>
+                        </a:rPr>
+                        <m:t>,</m:t>
+                      </m:r>
+                      <m:r>
+                        <a:rPr lang="it-IT" b="0" i="1" smtClean="0">
+                          <a:latin typeface="Cambria Math" panose="02040503050406030204" pitchFamily="18" charset="0"/>
+                        </a:rPr>
+                        <m:t>𝑜𝑒</m:t>
+                      </m:r>
+                      <m:r>
+                        <a:rPr lang="it-IT" b="0" i="1" smtClean="0">
                           <a:latin typeface="Cambria Math" panose="02040503050406030204" pitchFamily="18" charset="0"/>
                         </a:rPr>
                         <m:t>)</m:t>
@@ -31052,43 +31312,43 @@
                     </m:oMathParaPr>
                     <m:oMath xmlns:m="http://schemas.openxmlformats.org/officeDocument/2006/math">
                       <m:r>
-                        <a:rPr lang="it-IT" i="1" smtClean="0">
-                          <a:latin typeface="Cambria Math" panose="02040503050406030204" pitchFamily="18" charset="0"/>
-                        </a:rPr>
-                        <m:t>∀ </m:t>
-                      </m:r>
-                      <m:r>
-                        <a:rPr lang="it-IT" i="1" smtClean="0">
+                        <a:rPr lang="it-IT" b="0" i="1" smtClean="0">
+                          <a:latin typeface="Cambria Math" panose="02040503050406030204" pitchFamily="18" charset="0"/>
+                        </a:rPr>
+                        <m:t>∀</m:t>
+                      </m:r>
+                      <m:r>
+                        <a:rPr lang="it-IT" i="1">
+                          <a:latin typeface="Cambria Math" panose="02040503050406030204" pitchFamily="18" charset="0"/>
+                        </a:rPr>
+                        <m:t>𝑑</m:t>
+                      </m:r>
+                      <m:r>
+                        <a:rPr lang="it-IT" i="1">
+                          <a:latin typeface="Cambria Math" panose="02040503050406030204" pitchFamily="18" charset="0"/>
+                        </a:rPr>
+                        <m:t>,</m:t>
+                      </m:r>
+                      <m:r>
+                        <a:rPr lang="it-IT" i="1">
                           <a:latin typeface="Cambria Math" panose="02040503050406030204" pitchFamily="18" charset="0"/>
                         </a:rPr>
                         <m:t>𝑔</m:t>
                       </m:r>
                       <m:r>
-                        <a:rPr lang="en-US" i="1">
-                          <a:latin typeface="Cambria Math" panose="02040503050406030204" pitchFamily="18" charset="0"/>
-                        </a:rPr>
-                        <m:t>, </m:t>
-                      </m:r>
-                      <m:r>
                         <a:rPr lang="it-IT" i="1">
                           <a:latin typeface="Cambria Math" panose="02040503050406030204" pitchFamily="18" charset="0"/>
                         </a:rPr>
-                        <m:t>𝑟</m:t>
-                      </m:r>
-                      <m:r>
-                        <a:rPr lang="en-US" i="1">
-                          <a:latin typeface="Cambria Math" panose="02040503050406030204" pitchFamily="18" charset="0"/>
-                        </a:rPr>
                         <m:t>,</m:t>
                       </m:r>
                       <m:r>
                         <a:rPr lang="it-IT" i="1">
                           <a:latin typeface="Cambria Math" panose="02040503050406030204" pitchFamily="18" charset="0"/>
                         </a:rPr>
-                        <m:t>𝑡𝑒</m:t>
-                      </m:r>
-                      <m:r>
-                        <a:rPr lang="en-US" i="1">
+                        <m:t>𝑒</m:t>
+                      </m:r>
+                      <m:r>
+                        <a:rPr lang="it-IT" i="1">
                           <a:latin typeface="Cambria Math" panose="02040503050406030204" pitchFamily="18" charset="0"/>
                         </a:rPr>
                         <m:t>,</m:t>
@@ -31097,10 +31357,10 @@
                         <a:rPr lang="it-IT" i="1">
                           <a:latin typeface="Cambria Math" panose="02040503050406030204" pitchFamily="18" charset="0"/>
                         </a:rPr>
-                        <m:t>𝑔𝑒</m:t>
-                      </m:r>
-                      <m:r>
-                        <a:rPr lang="en-US" i="1">
+                        <m:t>𝑝𝑝</m:t>
+                      </m:r>
+                      <m:r>
+                        <a:rPr lang="it-IT" i="1">
                           <a:latin typeface="Cambria Math" panose="02040503050406030204" pitchFamily="18" charset="0"/>
                         </a:rPr>
                         <m:t>,</m:t>
@@ -31109,10 +31369,34 @@
                         <a:rPr lang="it-IT" i="1">
                           <a:latin typeface="Cambria Math" panose="02040503050406030204" pitchFamily="18" charset="0"/>
                         </a:rPr>
-                        <m:t>𝑜𝑒</m:t>
-                      </m:r>
-                      <m:r>
-                        <a:rPr lang="en-US" i="1">
+                        <m:t>𝑛𝑒</m:t>
+                      </m:r>
+                      <m:r>
+                        <a:rPr lang="it-IT" i="1">
+                          <a:latin typeface="Cambria Math" panose="02040503050406030204" pitchFamily="18" charset="0"/>
+                        </a:rPr>
+                        <m:t>.</m:t>
+                      </m:r>
+                      <m:r>
+                        <a:rPr lang="it-IT" i="1">
+                          <a:latin typeface="Cambria Math" panose="02040503050406030204" pitchFamily="18" charset="0"/>
+                        </a:rPr>
+                        <m:t>h𝑖𝑠𝑡𝑜𝑟𝑖𝑐𝑎𝑙𝐸𝐷</m:t>
+                      </m:r>
+                      <m:r>
+                        <a:rPr lang="it-IT" i="1">
+                          <a:latin typeface="Cambria Math" panose="02040503050406030204" pitchFamily="18" charset="0"/>
+                        </a:rPr>
+                        <m:t>(</m:t>
+                      </m:r>
+                      <m:r>
+                        <a:rPr lang="it-IT" i="1">
+                          <a:latin typeface="Cambria Math" panose="02040503050406030204" pitchFamily="18" charset="0"/>
+                        </a:rPr>
+                        <m:t>𝑑</m:t>
+                      </m:r>
+                      <m:r>
+                        <a:rPr lang="it-IT" i="1">
                           <a:latin typeface="Cambria Math" panose="02040503050406030204" pitchFamily="18" charset="0"/>
                         </a:rPr>
                         <m:t>,</m:t>
@@ -31121,10 +31405,34 @@
                         <a:rPr lang="it-IT" i="1">
                           <a:latin typeface="Cambria Math" panose="02040503050406030204" pitchFamily="18" charset="0"/>
                         </a:rPr>
+                        <m:t>𝑔</m:t>
+                      </m:r>
+                      <m:r>
+                        <a:rPr lang="it-IT" i="1">
+                          <a:latin typeface="Cambria Math" panose="02040503050406030204" pitchFamily="18" charset="0"/>
+                        </a:rPr>
+                        <m:t>,</m:t>
+                      </m:r>
+                      <m:r>
+                        <a:rPr lang="it-IT" i="1">
+                          <a:latin typeface="Cambria Math" panose="02040503050406030204" pitchFamily="18" charset="0"/>
+                        </a:rPr>
+                        <m:t>𝑒</m:t>
+                      </m:r>
+                      <m:r>
+                        <a:rPr lang="it-IT" i="1">
+                          <a:latin typeface="Cambria Math" panose="02040503050406030204" pitchFamily="18" charset="0"/>
+                        </a:rPr>
+                        <m:t>,</m:t>
+                      </m:r>
+                      <m:r>
+                        <a:rPr lang="it-IT" i="1">
+                          <a:latin typeface="Cambria Math" panose="02040503050406030204" pitchFamily="18" charset="0"/>
+                        </a:rPr>
                         <m:t>𝑝𝑝</m:t>
                       </m:r>
                       <m:r>
-                        <a:rPr lang="en-US" i="1">
+                        <a:rPr lang="it-IT" i="1">
                           <a:latin typeface="Cambria Math" panose="02040503050406030204" pitchFamily="18" charset="0"/>
                         </a:rPr>
                         <m:t>,</m:t>
@@ -31133,22 +31441,22 @@
                         <a:rPr lang="it-IT" i="1">
                           <a:latin typeface="Cambria Math" panose="02040503050406030204" pitchFamily="18" charset="0"/>
                         </a:rPr>
-                        <m:t>𝑡𝑡</m:t>
+                        <m:t>𝑛𝑒</m:t>
                       </m:r>
                       <m:r>
                         <a:rPr lang="it-IT" b="0" i="1" smtClean="0">
                           <a:latin typeface="Cambria Math" panose="02040503050406030204" pitchFamily="18" charset="0"/>
                         </a:rPr>
-                        <m:t>.</m:t>
-                      </m:r>
-                      <m:r>
-                        <a:rPr lang="en-US" i="1" smtClean="0">
-                          <a:latin typeface="Cambria Math" panose="02040503050406030204" pitchFamily="18" charset="0"/>
-                        </a:rPr>
-                        <m:t>𝑔𝑒𝑛𝑒𝑟𝑎𝑙𝐸𝐷</m:t>
-                      </m:r>
-                      <m:r>
-                        <a:rPr lang="en-US" i="1" smtClean="0">
+                        <m:t>)→</m:t>
+                      </m:r>
+                      <m:r>
+                        <a:rPr lang="it-IT" b="0" i="1" smtClean="0">
+                          <a:latin typeface="Cambria Math" panose="02040503050406030204" pitchFamily="18" charset="0"/>
+                        </a:rPr>
+                        <m:t>𝑇𝑜𝑢𝑟𝑛𝑎𝑚𝑒𝑛𝑡</m:t>
+                      </m:r>
+                      <m:r>
+                        <a:rPr lang="it-IT" b="0" i="1" smtClean="0">
                           <a:latin typeface="Cambria Math" panose="02040503050406030204" pitchFamily="18" charset="0"/>
                         </a:rPr>
                         <m:t>(</m:t>
@@ -31157,34 +31465,22 @@
                         <a:rPr lang="it-IT" b="0" i="1" smtClean="0">
                           <a:latin typeface="Cambria Math" panose="02040503050406030204" pitchFamily="18" charset="0"/>
                         </a:rPr>
-                        <m:t>𝑔</m:t>
-                      </m:r>
-                      <m:r>
-                        <a:rPr lang="en-US" i="1">
-                          <a:latin typeface="Cambria Math" panose="02040503050406030204" pitchFamily="18" charset="0"/>
-                        </a:rPr>
-                        <m:t>, </m:t>
+                        <m:t>𝑑</m:t>
                       </m:r>
                       <m:r>
                         <a:rPr lang="it-IT" b="0" i="1" smtClean="0">
                           <a:latin typeface="Cambria Math" panose="02040503050406030204" pitchFamily="18" charset="0"/>
                         </a:rPr>
-                        <m:t>𝑟</m:t>
-                      </m:r>
-                      <m:r>
-                        <a:rPr lang="en-US" i="1">
-                          <a:latin typeface="Cambria Math" panose="02040503050406030204" pitchFamily="18" charset="0"/>
-                        </a:rPr>
                         <m:t>,</m:t>
                       </m:r>
                       <m:r>
                         <a:rPr lang="it-IT" b="0" i="1" smtClean="0">
                           <a:latin typeface="Cambria Math" panose="02040503050406030204" pitchFamily="18" charset="0"/>
                         </a:rPr>
-                        <m:t>𝑡𝑒</m:t>
-                      </m:r>
-                      <m:r>
-                        <a:rPr lang="en-US" i="1">
+                        <m:t>𝑒</m:t>
+                      </m:r>
+                      <m:r>
+                        <a:rPr lang="it-IT" b="0" i="1" smtClean="0">
                           <a:latin typeface="Cambria Math" panose="02040503050406030204" pitchFamily="18" charset="0"/>
                         </a:rPr>
                         <m:t>,</m:t>
@@ -31193,10 +31489,10 @@
                         <a:rPr lang="it-IT" b="0" i="1" smtClean="0">
                           <a:latin typeface="Cambria Math" panose="02040503050406030204" pitchFamily="18" charset="0"/>
                         </a:rPr>
-                        <m:t>𝑔𝑒</m:t>
-                      </m:r>
-                      <m:r>
-                        <a:rPr lang="en-US" i="1">
+                        <m:t>𝑝𝑝</m:t>
+                      </m:r>
+                      <m:r>
+                        <a:rPr lang="it-IT" b="0" i="1" smtClean="0">
                           <a:latin typeface="Cambria Math" panose="02040503050406030204" pitchFamily="18" charset="0"/>
                         </a:rPr>
                         <m:t>,</m:t>
@@ -31205,85 +31501,7 @@
                         <a:rPr lang="it-IT" b="0" i="1" smtClean="0">
                           <a:latin typeface="Cambria Math" panose="02040503050406030204" pitchFamily="18" charset="0"/>
                         </a:rPr>
-                        <m:t>𝑜𝑒</m:t>
-                      </m:r>
-                      <m:r>
-                        <a:rPr lang="en-US" i="1">
-                          <a:latin typeface="Cambria Math" panose="02040503050406030204" pitchFamily="18" charset="0"/>
-                        </a:rPr>
-                        <m:t>,</m:t>
-                      </m:r>
-                      <m:r>
-                        <a:rPr lang="it-IT" b="0" i="1" smtClean="0">
-                          <a:latin typeface="Cambria Math" panose="02040503050406030204" pitchFamily="18" charset="0"/>
-                        </a:rPr>
-                        <m:t>𝑝𝑝</m:t>
-                      </m:r>
-                      <m:r>
-                        <a:rPr lang="en-US" i="1">
-                          <a:latin typeface="Cambria Math" panose="02040503050406030204" pitchFamily="18" charset="0"/>
-                        </a:rPr>
-                        <m:t>,</m:t>
-                      </m:r>
-                      <m:r>
-                        <a:rPr lang="it-IT" b="0" i="1" smtClean="0">
-                          <a:latin typeface="Cambria Math" panose="02040503050406030204" pitchFamily="18" charset="0"/>
-                        </a:rPr>
-                        <m:t>𝑡𝑡</m:t>
-                      </m:r>
-                      <m:r>
-                        <a:rPr lang="en-US" i="1">
-                          <a:latin typeface="Cambria Math" panose="02040503050406030204" pitchFamily="18" charset="0"/>
-                        </a:rPr>
-                        <m:t>)</m:t>
-                      </m:r>
-                      <m:r>
-                        <a:rPr lang="it-IT" b="0" i="1" smtClean="0">
-                          <a:latin typeface="Cambria Math" panose="02040503050406030204" pitchFamily="18" charset="0"/>
-                        </a:rPr>
-                        <m:t>→</m:t>
-                      </m:r>
-                      <m:r>
-                        <a:rPr lang="it-IT" b="0" i="1" smtClean="0">
-                          <a:latin typeface="Cambria Math" panose="02040503050406030204" pitchFamily="18" charset="0"/>
-                        </a:rPr>
-                        <m:t>𝐸𝑠𝑝𝑜𝑟𝑡</m:t>
-                      </m:r>
-                      <m:r>
-                        <a:rPr lang="it-IT" b="0" i="1" smtClean="0">
-                          <a:latin typeface="Cambria Math" panose="02040503050406030204" pitchFamily="18" charset="0"/>
-                        </a:rPr>
-                        <m:t>(</m:t>
-                      </m:r>
-                      <m:r>
-                        <a:rPr lang="it-IT" b="0" i="1" smtClean="0">
-                          <a:latin typeface="Cambria Math" panose="02040503050406030204" pitchFamily="18" charset="0"/>
-                        </a:rPr>
-                        <m:t>𝑔</m:t>
-                      </m:r>
-                      <m:r>
-                        <a:rPr lang="it-IT" b="0" i="1" smtClean="0">
-                          <a:latin typeface="Cambria Math" panose="02040503050406030204" pitchFamily="18" charset="0"/>
-                        </a:rPr>
-                        <m:t>,</m:t>
-                      </m:r>
-                      <m:r>
-                        <a:rPr lang="it-IT" b="0" i="1" smtClean="0">
-                          <a:latin typeface="Cambria Math" panose="02040503050406030204" pitchFamily="18" charset="0"/>
-                        </a:rPr>
-                        <m:t>𝑡𝑒</m:t>
-                      </m:r>
-                      <m:r>
-                        <a:rPr lang="it-IT" b="0" i="1" smtClean="0">
-                          <a:latin typeface="Cambria Math" panose="02040503050406030204" pitchFamily="18" charset="0"/>
-                        </a:rPr>
-                        <m:t>,</m:t>
-                      </m:r>
-                      <m:r>
-                        <a:rPr lang="it-IT" b="0" i="1" smtClean="0">
-                          <a:latin typeface="Cambria Math" panose="02040503050406030204" pitchFamily="18" charset="0"/>
-                        </a:rPr>
-                        <m:t>𝑜𝑒</m:t>
+                        <m:t>𝑛𝑒</m:t>
                       </m:r>
                       <m:r>
                         <a:rPr lang="it-IT" b="0" i="1" smtClean="0">
@@ -31294,227 +31512,6 @@
                     </m:oMath>
                   </m:oMathPara>
                 </a14:m>
-                <a:endParaRPr lang="it-IT" b="0" i="1" dirty="0">
-                  <a:latin typeface="Cambria Math" panose="02040503050406030204" pitchFamily="18" charset="0"/>
-                </a:endParaRPr>
-              </a:p>
-              <a:p>
-                <a:pPr marL="114300" indent="0">
-                  <a:buNone/>
-                </a:pPr>
-                <a14:m>
-                  <m:oMathPara xmlns:m="http://schemas.openxmlformats.org/officeDocument/2006/math">
-                    <m:oMathParaPr>
-                      <m:jc m:val="left"/>
-                    </m:oMathParaPr>
-                    <m:oMath xmlns:m="http://schemas.openxmlformats.org/officeDocument/2006/math">
-                      <m:r>
-                        <a:rPr lang="it-IT" b="0" i="1" smtClean="0">
-                          <a:latin typeface="Cambria Math" panose="02040503050406030204" pitchFamily="18" charset="0"/>
-                        </a:rPr>
-                        <m:t>∀</m:t>
-                      </m:r>
-                      <m:r>
-                        <a:rPr lang="it-IT" i="1">
-                          <a:latin typeface="Cambria Math" panose="02040503050406030204" pitchFamily="18" charset="0"/>
-                        </a:rPr>
-                        <m:t>𝑑</m:t>
-                      </m:r>
-                      <m:r>
-                        <a:rPr lang="it-IT" i="1">
-                          <a:latin typeface="Cambria Math" panose="02040503050406030204" pitchFamily="18" charset="0"/>
-                        </a:rPr>
-                        <m:t>,</m:t>
-                      </m:r>
-                      <m:r>
-                        <a:rPr lang="it-IT" i="1">
-                          <a:latin typeface="Cambria Math" panose="02040503050406030204" pitchFamily="18" charset="0"/>
-                        </a:rPr>
-                        <m:t>𝑔</m:t>
-                      </m:r>
-                      <m:r>
-                        <a:rPr lang="it-IT" i="1">
-                          <a:latin typeface="Cambria Math" panose="02040503050406030204" pitchFamily="18" charset="0"/>
-                        </a:rPr>
-                        <m:t>,</m:t>
-                      </m:r>
-                      <m:r>
-                        <a:rPr lang="it-IT" i="1">
-                          <a:latin typeface="Cambria Math" panose="02040503050406030204" pitchFamily="18" charset="0"/>
-                        </a:rPr>
-                        <m:t>𝑒</m:t>
-                      </m:r>
-                      <m:r>
-                        <a:rPr lang="it-IT" i="1">
-                          <a:latin typeface="Cambria Math" panose="02040503050406030204" pitchFamily="18" charset="0"/>
-                        </a:rPr>
-                        <m:t>,</m:t>
-                      </m:r>
-                      <m:r>
-                        <a:rPr lang="it-IT" i="1">
-                          <a:latin typeface="Cambria Math" panose="02040503050406030204" pitchFamily="18" charset="0"/>
-                        </a:rPr>
-                        <m:t>𝑝𝑝</m:t>
-                      </m:r>
-                      <m:r>
-                        <a:rPr lang="it-IT" i="1">
-                          <a:latin typeface="Cambria Math" panose="02040503050406030204" pitchFamily="18" charset="0"/>
-                        </a:rPr>
-                        <m:t>,</m:t>
-                      </m:r>
-                      <m:r>
-                        <a:rPr lang="it-IT" i="1">
-                          <a:latin typeface="Cambria Math" panose="02040503050406030204" pitchFamily="18" charset="0"/>
-                        </a:rPr>
-                        <m:t>𝑛𝑒</m:t>
-                      </m:r>
-                      <m:r>
-                        <a:rPr lang="it-IT" i="1">
-                          <a:latin typeface="Cambria Math" panose="02040503050406030204" pitchFamily="18" charset="0"/>
-                        </a:rPr>
-                        <m:t>.</m:t>
-                      </m:r>
-                      <m:r>
-                        <a:rPr lang="it-IT" i="1">
-                          <a:latin typeface="Cambria Math" panose="02040503050406030204" pitchFamily="18" charset="0"/>
-                        </a:rPr>
-                        <m:t>h𝑖𝑠𝑡𝑜𝑟𝑖𝑐𝑎𝑙𝐸𝐷</m:t>
-                      </m:r>
-                      <m:r>
-                        <a:rPr lang="it-IT" i="1">
-                          <a:latin typeface="Cambria Math" panose="02040503050406030204" pitchFamily="18" charset="0"/>
-                        </a:rPr>
-                        <m:t>(</m:t>
-                      </m:r>
-                      <m:r>
-                        <a:rPr lang="it-IT" i="1">
-                          <a:latin typeface="Cambria Math" panose="02040503050406030204" pitchFamily="18" charset="0"/>
-                        </a:rPr>
-                        <m:t>𝑑</m:t>
-                      </m:r>
-                      <m:r>
-                        <a:rPr lang="it-IT" i="1">
-                          <a:latin typeface="Cambria Math" panose="02040503050406030204" pitchFamily="18" charset="0"/>
-                        </a:rPr>
-                        <m:t>,</m:t>
-                      </m:r>
-                      <m:r>
-                        <a:rPr lang="it-IT" i="1">
-                          <a:latin typeface="Cambria Math" panose="02040503050406030204" pitchFamily="18" charset="0"/>
-                        </a:rPr>
-                        <m:t>𝑔</m:t>
-                      </m:r>
-                      <m:r>
-                        <a:rPr lang="it-IT" i="1">
-                          <a:latin typeface="Cambria Math" panose="02040503050406030204" pitchFamily="18" charset="0"/>
-                        </a:rPr>
-                        <m:t>,</m:t>
-                      </m:r>
-                      <m:r>
-                        <a:rPr lang="it-IT" i="1">
-                          <a:latin typeface="Cambria Math" panose="02040503050406030204" pitchFamily="18" charset="0"/>
-                        </a:rPr>
-                        <m:t>𝑒</m:t>
-                      </m:r>
-                      <m:r>
-                        <a:rPr lang="it-IT" i="1">
-                          <a:latin typeface="Cambria Math" panose="02040503050406030204" pitchFamily="18" charset="0"/>
-                        </a:rPr>
-                        <m:t>,</m:t>
-                      </m:r>
-                      <m:r>
-                        <a:rPr lang="it-IT" i="1">
-                          <a:latin typeface="Cambria Math" panose="02040503050406030204" pitchFamily="18" charset="0"/>
-                        </a:rPr>
-                        <m:t>𝑝𝑝</m:t>
-                      </m:r>
-                      <m:r>
-                        <a:rPr lang="it-IT" i="1">
-                          <a:latin typeface="Cambria Math" panose="02040503050406030204" pitchFamily="18" charset="0"/>
-                        </a:rPr>
-                        <m:t>,</m:t>
-                      </m:r>
-                      <m:r>
-                        <a:rPr lang="it-IT" i="1">
-                          <a:latin typeface="Cambria Math" panose="02040503050406030204" pitchFamily="18" charset="0"/>
-                        </a:rPr>
-                        <m:t>𝑛𝑒</m:t>
-                      </m:r>
-                      <m:r>
-                        <a:rPr lang="it-IT" b="0" i="1" smtClean="0">
-                          <a:latin typeface="Cambria Math" panose="02040503050406030204" pitchFamily="18" charset="0"/>
-                        </a:rPr>
-                        <m:t>)→</m:t>
-                      </m:r>
-                      <m:r>
-                        <a:rPr lang="it-IT" b="0" i="1" smtClean="0">
-                          <a:latin typeface="Cambria Math" panose="02040503050406030204" pitchFamily="18" charset="0"/>
-                        </a:rPr>
-                        <m:t>𝑇𝑜𝑢𝑟𝑛𝑎𝑚𝑒𝑛𝑡</m:t>
-                      </m:r>
-                      <m:r>
-                        <a:rPr lang="it-IT" b="0" i="1" smtClean="0">
-                          <a:latin typeface="Cambria Math" panose="02040503050406030204" pitchFamily="18" charset="0"/>
-                        </a:rPr>
-                        <m:t>(</m:t>
-                      </m:r>
-                      <m:r>
-                        <a:rPr lang="it-IT" b="0" i="1" smtClean="0">
-                          <a:latin typeface="Cambria Math" panose="02040503050406030204" pitchFamily="18" charset="0"/>
-                        </a:rPr>
-                        <m:t>𝑑</m:t>
-                      </m:r>
-                      <m:r>
-                        <a:rPr lang="it-IT" b="0" i="1" smtClean="0">
-                          <a:latin typeface="Cambria Math" panose="02040503050406030204" pitchFamily="18" charset="0"/>
-                        </a:rPr>
-                        <m:t>,</m:t>
-                      </m:r>
-                      <m:r>
-                        <a:rPr lang="it-IT" b="0" i="1" smtClean="0">
-                          <a:latin typeface="Cambria Math" panose="02040503050406030204" pitchFamily="18" charset="0"/>
-                        </a:rPr>
-                        <m:t>𝑒</m:t>
-                      </m:r>
-                      <m:r>
-                        <a:rPr lang="it-IT" b="0" i="1" smtClean="0">
-                          <a:latin typeface="Cambria Math" panose="02040503050406030204" pitchFamily="18" charset="0"/>
-                        </a:rPr>
-                        <m:t>,</m:t>
-                      </m:r>
-                      <m:r>
-                        <a:rPr lang="it-IT" b="0" i="1" smtClean="0">
-                          <a:latin typeface="Cambria Math" panose="02040503050406030204" pitchFamily="18" charset="0"/>
-                        </a:rPr>
-                        <m:t>𝑝𝑝</m:t>
-                      </m:r>
-                      <m:r>
-                        <a:rPr lang="it-IT" b="0" i="1" smtClean="0">
-                          <a:latin typeface="Cambria Math" panose="02040503050406030204" pitchFamily="18" charset="0"/>
-                        </a:rPr>
-                        <m:t>,</m:t>
-                      </m:r>
-                      <m:r>
-                        <a:rPr lang="it-IT" b="0" i="1" smtClean="0">
-                          <a:latin typeface="Cambria Math" panose="02040503050406030204" pitchFamily="18" charset="0"/>
-                        </a:rPr>
-                        <m:t>𝑛𝑒</m:t>
-                      </m:r>
-                      <m:r>
-                        <a:rPr lang="it-IT" b="0" i="1" smtClean="0">
-                          <a:latin typeface="Cambria Math" panose="02040503050406030204" pitchFamily="18" charset="0"/>
-                        </a:rPr>
-                        <m:t>)</m:t>
-                      </m:r>
-                    </m:oMath>
-                  </m:oMathPara>
-                </a14:m>
-                <a:endParaRPr lang="en-US" dirty="0"/>
-              </a:p>
-              <a:p>
-                <a:pPr marL="114300" indent="0">
-                  <a:buNone/>
-                </a:pPr>
                 <a:endParaRPr lang="en-US" dirty="0"/>
               </a:p>
             </p:txBody>
@@ -31550,7 +31547,7 @@
               <a:lstStyle/>
               <a:p>
                 <a:r>
-                  <a:rPr lang="en-US">
+                  <a:rPr lang="it-IT">
                     <a:noFill/>
                   </a:rPr>
                   <a:t> </a:t>

--- a/proposals/presentation.pptx
+++ b/proposals/presentation.pptx
@@ -12056,10 +12056,10 @@
               <a:buNone/>
             </a:pPr>
             <a:r>
-              <a:rPr lang="en-GB"/>
+              <a:rPr lang="en-GB" dirty="0"/>
               <a:t>VGCHARTZ</a:t>
             </a:r>
-            <a:endParaRPr/>
+            <a:endParaRPr dirty="0"/>
           </a:p>
         </p:txBody>
       </p:sp>
@@ -12301,10 +12301,10 @@
                         <a:buNone/>
                       </a:pPr>
                       <a:r>
-                        <a:rPr lang="en-GB" sz="1300"/>
+                        <a:rPr lang="en-GB" sz="1300" dirty="0"/>
                         <a:t>id</a:t>
                       </a:r>
-                      <a:endParaRPr sz="1300"/>
+                      <a:endParaRPr sz="1300" dirty="0"/>
                     </a:p>
                   </a:txBody>
                   <a:tcPr marL="91425" marR="91425" marT="91425" marB="91425"/>
@@ -12370,10 +12370,10 @@
                         <a:buNone/>
                       </a:pPr>
                       <a:r>
-                        <a:rPr lang="en-GB" sz="1300"/>
+                        <a:rPr lang="en-GB" sz="1300" dirty="0"/>
                         <a:t>publisher</a:t>
                       </a:r>
-                      <a:endParaRPr sz="1300"/>
+                      <a:endParaRPr sz="1300" dirty="0"/>
                     </a:p>
                   </a:txBody>
                   <a:tcPr marL="91425" marR="91425" marT="91425" marB="91425"/>
@@ -12485,10 +12485,10 @@
                         <a:buNone/>
                       </a:pPr>
                       <a:r>
-                        <a:rPr lang="en-GB" sz="1300"/>
+                        <a:rPr lang="en-GB" sz="1300" dirty="0"/>
                         <a:t>releaseDate</a:t>
                       </a:r>
-                      <a:endParaRPr sz="1300"/>
+                      <a:endParaRPr sz="1300" dirty="0"/>
                     </a:p>
                   </a:txBody>
                   <a:tcPr marL="91425" marR="91425" marT="91425" marB="91425"/>
@@ -12699,10 +12699,14 @@
               <a:buNone/>
             </a:pPr>
             <a:r>
-              <a:rPr lang="en-GB" b="1"/>
-              <a:t>Gamedev (csv)</a:t>
-            </a:r>
-            <a:endParaRPr b="1"/>
+              <a:rPr lang="en-GB" b="1" dirty="0" err="1"/>
+              <a:t>Gamedev</a:t>
+            </a:r>
+            <a:r>
+              <a:rPr lang="en-GB" b="1" dirty="0"/>
+              <a:t> (csv)</a:t>
+            </a:r>
+            <a:endParaRPr b="1" dirty="0"/>
           </a:p>
           <a:p>
             <a:pPr marL="0" lvl="0" indent="0" algn="l" rtl="0">
@@ -12714,7 +12718,7 @@
               </a:spcAft>
               <a:buNone/>
             </a:pPr>
-            <a:endParaRPr b="1"/>
+            <a:endParaRPr b="1" dirty="0"/>
           </a:p>
           <a:p>
             <a:pPr marL="0" lvl="0" indent="0" algn="l" rtl="0">
@@ -12727,10 +12731,10 @@
               <a:buNone/>
             </a:pPr>
             <a:r>
-              <a:rPr lang="en-GB" sz="1600"/>
+              <a:rPr lang="en-GB" sz="1600" dirty="0"/>
               <a:t>Contains geographic-related information about videogame developing and publishing companies.</a:t>
             </a:r>
-            <a:endParaRPr sz="1600"/>
+            <a:endParaRPr sz="1600" dirty="0"/>
           </a:p>
           <a:p>
             <a:pPr marL="0" lvl="0" indent="0" algn="l" rtl="0">
@@ -12743,10 +12747,10 @@
               <a:buNone/>
             </a:pPr>
             <a:r>
-              <a:rPr lang="en-GB" sz="1600"/>
+              <a:rPr lang="en-GB" sz="1600" dirty="0"/>
               <a:t>This dataset will be a crucial utility in the design of geographic and market related tasks.</a:t>
             </a:r>
-            <a:endParaRPr sz="1600"/>
+            <a:endParaRPr sz="1600" dirty="0"/>
           </a:p>
           <a:p>
             <a:pPr marL="0" lvl="0" indent="0" algn="l" rtl="0">
@@ -12759,10 +12763,10 @@
               <a:buNone/>
             </a:pPr>
             <a:r>
-              <a:rPr lang="en-GB" sz="1600"/>
+              <a:rPr lang="en-GB" sz="1600" dirty="0"/>
               <a:t>Token from https://www.gamedevmap.com/</a:t>
             </a:r>
-            <a:endParaRPr sz="1600"/>
+            <a:endParaRPr sz="1600" dirty="0"/>
           </a:p>
           <a:p>
             <a:pPr marL="0" lvl="0" indent="0" algn="l" rtl="0">
@@ -12774,7 +12778,7 @@
               </a:spcAft>
               <a:buNone/>
             </a:pPr>
-            <a:endParaRPr/>
+            <a:endParaRPr dirty="0"/>
           </a:p>
         </p:txBody>
       </p:sp>
@@ -30139,10 +30143,10 @@
               <a:buNone/>
             </a:pPr>
             <a:r>
-              <a:rPr lang="en-GB"/>
+              <a:rPr lang="en-GB" dirty="0"/>
               <a:t>The following datasets were taken from Kaggle:</a:t>
             </a:r>
-            <a:endParaRPr/>
+            <a:endParaRPr dirty="0"/>
           </a:p>
           <a:p>
             <a:pPr marL="0" lvl="0" indent="0" algn="l" rtl="0">
@@ -30155,10 +30159,13 @@
               <a:buNone/>
             </a:pPr>
             <a:r>
-              <a:rPr lang="en-GB" b="1"/>
-              <a:t>GeneralEsportData (csv)</a:t>
-            </a:r>
-            <a:endParaRPr b="1"/>
+              <a:rPr lang="en-GB" b="1" dirty="0" err="1"/>
+              <a:t>GeneralEsportData</a:t>
+            </a:r>
+            <a:r>
+              <a:rPr lang="en-GB" b="1" dirty="0"/>
+              <a:t> (csv)</a:t>
+            </a:r>
           </a:p>
           <a:p>
             <a:pPr marL="0" lvl="0" indent="0" algn="l" rtl="0">
@@ -30171,13 +30178,13 @@
               <a:buNone/>
             </a:pPr>
             <a:br>
-              <a:rPr lang="en-GB" b="1"/>
+              <a:rPr lang="en-GB" b="1" dirty="0"/>
             </a:br>
             <a:r>
-              <a:rPr lang="en-GB" sz="1600"/>
+              <a:rPr lang="en-GB" sz="1600" dirty="0"/>
               <a:t>Provides general information about games and related earnings and tournaments.</a:t>
             </a:r>
-            <a:endParaRPr sz="1600"/>
+            <a:endParaRPr sz="1600" dirty="0"/>
           </a:p>
           <a:p>
             <a:pPr marL="0" lvl="0" indent="0" algn="l" rtl="0">
@@ -30189,7 +30196,7 @@
               </a:spcAft>
               <a:buNone/>
             </a:pPr>
-            <a:endParaRPr b="1"/>
+            <a:endParaRPr b="1" dirty="0"/>
           </a:p>
         </p:txBody>
       </p:sp>
@@ -30197,10 +30204,16 @@
         <p:nvGraphicFramePr>
           <p:cNvPr id="69" name="Google Shape;69;p15"/>
           <p:cNvGraphicFramePr/>
-          <p:nvPr/>
+          <p:nvPr>
+            <p:extLst>
+              <p:ext uri="{D42A27DB-BD31-4B8C-83A1-F6EECF244321}">
+                <p14:modId xmlns:p14="http://schemas.microsoft.com/office/powerpoint/2010/main" val="4034242533"/>
+              </p:ext>
+            </p:extLst>
+          </p:nvPr>
         </p:nvGraphicFramePr>
         <p:xfrm>
-          <a:off x="469350" y="2007200"/>
+          <a:off x="1276594" y="107288"/>
           <a:ext cx="7253375" cy="363075"/>
         </p:xfrm>
         <a:graphic>
@@ -30300,10 +30313,10 @@
                         <a:buNone/>
                       </a:pPr>
                       <a:r>
-                        <a:rPr lang="en-GB" sz="1000"/>
+                        <a:rPr lang="en-GB" sz="1000" dirty="0"/>
                         <a:t>ReleaseDate</a:t>
                       </a:r>
-                      <a:endParaRPr sz="1000"/>
+                      <a:endParaRPr sz="1000" dirty="0"/>
                     </a:p>
                   </a:txBody>
                   <a:tcPr marL="91425" marR="91425" marT="91425" marB="91425"/>
@@ -30369,10 +30382,10 @@
                         <a:buNone/>
                       </a:pPr>
                       <a:r>
-                        <a:rPr lang="en-GB" sz="1000"/>
+                        <a:rPr lang="en-GB" sz="1000" dirty="0"/>
                         <a:t>OnlineEarnings</a:t>
                       </a:r>
-                      <a:endParaRPr sz="1000"/>
+                      <a:endParaRPr sz="1000" dirty="0"/>
                     </a:p>
                   </a:txBody>
                   <a:tcPr marL="91425" marR="91425" marT="91425" marB="91425"/>
@@ -30415,10 +30428,10 @@
                         <a:buNone/>
                       </a:pPr>
                       <a:r>
-                        <a:rPr lang="en-GB" sz="1000"/>
+                        <a:rPr lang="en-GB" sz="1000" dirty="0"/>
                         <a:t>TotalTournaments</a:t>
                       </a:r>
-                      <a:endParaRPr sz="1000"/>
+                      <a:endParaRPr sz="1000" dirty="0"/>
                     </a:p>
                   </a:txBody>
                   <a:tcPr marL="91425" marR="91425" marT="91425" marB="91425"/>
@@ -30660,8 +30673,8 @@
           </a:p>
         </p:txBody>
       </p:sp>
-      <mc:AlternateContent xmlns:mc="http://schemas.openxmlformats.org/markup-compatibility/2006">
-        <mc:Choice xmlns:a14="http://schemas.microsoft.com/office/drawing/2010/main" Requires="a14">
+      <mc:AlternateContent xmlns:mc="http://schemas.openxmlformats.org/markup-compatibility/2006" xmlns:a14="http://schemas.microsoft.com/office/drawing/2010/main">
+        <mc:Choice Requires="a14">
           <p:sp>
             <p:nvSpPr>
               <p:cNvPr id="3" name="Text Placeholder 2">
@@ -31517,7 +31530,7 @@
             </p:txBody>
           </p:sp>
         </mc:Choice>
-        <mc:Fallback>
+        <mc:Fallback xmlns="">
           <p:sp>
             <p:nvSpPr>
               <p:cNvPr id="3" name="Text Placeholder 2">
@@ -31848,10 +31861,10 @@
               <a:buNone/>
             </a:pPr>
             <a:r>
-              <a:rPr lang="en-GB"/>
+              <a:rPr lang="en-GB" dirty="0"/>
               <a:t>The following datasets were taken from Kaggle:</a:t>
             </a:r>
-            <a:endParaRPr/>
+            <a:endParaRPr dirty="0"/>
           </a:p>
           <a:p>
             <a:pPr marL="0" lvl="0" indent="0" algn="l" rtl="0">
@@ -31864,10 +31877,14 @@
               <a:buNone/>
             </a:pPr>
             <a:r>
-              <a:rPr lang="en-GB" b="1"/>
-              <a:t>HistoricalEsportData (csv)</a:t>
-            </a:r>
-            <a:endParaRPr b="1"/>
+              <a:rPr lang="en-GB" b="1" dirty="0" err="1"/>
+              <a:t>HistoricalEsportData</a:t>
+            </a:r>
+            <a:r>
+              <a:rPr lang="en-GB" b="1" dirty="0"/>
+              <a:t> (csv)</a:t>
+            </a:r>
+            <a:endParaRPr b="1" dirty="0"/>
           </a:p>
           <a:p>
             <a:pPr marL="0" lvl="0" indent="0" algn="l" rtl="0">
@@ -31880,20 +31897,20 @@
               <a:buNone/>
             </a:pPr>
             <a:br>
-              <a:rPr lang="en-GB" sz="1600"/>
+              <a:rPr lang="en-GB" sz="1600" dirty="0"/>
             </a:br>
             <a:r>
-              <a:rPr lang="en-GB" sz="1600"/>
+              <a:rPr lang="en-GB" sz="1600" dirty="0"/>
               <a:t>Provides general information about games form an historical perspective. </a:t>
             </a:r>
             <a:br>
-              <a:rPr lang="en-GB" sz="1600"/>
+              <a:rPr lang="en-GB" sz="1600" dirty="0"/>
             </a:br>
             <a:r>
-              <a:rPr lang="en-GB" sz="1600"/>
+              <a:rPr lang="en-GB" sz="1600" dirty="0"/>
               <a:t>(Tuples are sorted by Date).</a:t>
             </a:r>
-            <a:endParaRPr b="1"/>
+            <a:endParaRPr b="1" dirty="0"/>
           </a:p>
           <a:p>
             <a:pPr marL="0" lvl="0" indent="0" algn="l" rtl="0">
@@ -31905,7 +31922,7 @@
               </a:spcAft>
               <a:buNone/>
             </a:pPr>
-            <a:endParaRPr b="1"/>
+            <a:endParaRPr b="1" dirty="0"/>
           </a:p>
         </p:txBody>
       </p:sp>
